--- a/Partie personnelle Lucas MINAUD/Projet SFL5 revue 2.pptx
+++ b/Partie personnelle Lucas MINAUD/Projet SFL5 revue 2.pptx
@@ -4,12 +4,25 @@
   <p:sldMasterIdLst>
     <p:sldMasterId id="2147483761" r:id="rId1"/>
   </p:sldMasterIdLst>
+  <p:notesMasterIdLst>
+    <p:notesMasterId r:id="rId17"/>
+  </p:notesMasterIdLst>
   <p:sldIdLst>
     <p:sldId id="256" r:id="rId2"/>
     <p:sldId id="257" r:id="rId3"/>
     <p:sldId id="258" r:id="rId4"/>
     <p:sldId id="259" r:id="rId5"/>
     <p:sldId id="260" r:id="rId6"/>
+    <p:sldId id="261" r:id="rId7"/>
+    <p:sldId id="270" r:id="rId8"/>
+    <p:sldId id="262" r:id="rId9"/>
+    <p:sldId id="263" r:id="rId10"/>
+    <p:sldId id="264" r:id="rId11"/>
+    <p:sldId id="265" r:id="rId12"/>
+    <p:sldId id="267" r:id="rId13"/>
+    <p:sldId id="268" r:id="rId14"/>
+    <p:sldId id="271" r:id="rId15"/>
+    <p:sldId id="269" r:id="rId16"/>
   </p:sldIdLst>
   <p:sldSz cx="12192000" cy="6858000"/>
   <p:notesSz cx="6858000" cy="9144000"/>
@@ -108,7 +121,361 @@
       </a:defRPr>
     </a:lvl9pPr>
   </p:defaultTextStyle>
+  <p:extLst>
+    <p:ext uri="{EFAFB233-063F-42B5-8137-9DF3F51BA10A}">
+      <p15:sldGuideLst xmlns:p15="http://schemas.microsoft.com/office/powerpoint/2012/main"/>
+    </p:ext>
+  </p:extLst>
 </p:presentation>
+</file>
+
+<file path=ppt/notesMasters/notesMaster1.xml><?xml version="1.0" encoding="utf-8"?>
+<p:notesMaster xmlns:a="http://schemas.openxmlformats.org/drawingml/2006/main" xmlns:r="http://schemas.openxmlformats.org/officeDocument/2006/relationships" xmlns:p="http://schemas.openxmlformats.org/presentationml/2006/main">
+  <p:cSld>
+    <p:bg>
+      <p:bgRef idx="1001">
+        <a:schemeClr val="bg1"/>
+      </p:bgRef>
+    </p:bg>
+    <p:spTree>
+      <p:nvGrpSpPr>
+        <p:cNvPr id="1" name=""/>
+        <p:cNvGrpSpPr/>
+        <p:nvPr/>
+      </p:nvGrpSpPr>
+      <p:grpSpPr>
+        <a:xfrm>
+          <a:off x="0" y="0"/>
+          <a:ext cx="0" cy="0"/>
+          <a:chOff x="0" y="0"/>
+          <a:chExt cx="0" cy="0"/>
+        </a:xfrm>
+      </p:grpSpPr>
+      <p:sp>
+        <p:nvSpPr>
+          <p:cNvPr id="2" name="Espace réservé de l'en-tête 1"/>
+          <p:cNvSpPr>
+            <a:spLocks noGrp="1"/>
+          </p:cNvSpPr>
+          <p:nvPr>
+            <p:ph type="hdr" sz="quarter"/>
+          </p:nvPr>
+        </p:nvSpPr>
+        <p:spPr>
+          <a:xfrm>
+            <a:off x="0" y="0"/>
+            <a:ext cx="2971800" cy="458788"/>
+          </a:xfrm>
+          <a:prstGeom prst="rect">
+            <a:avLst/>
+          </a:prstGeom>
+        </p:spPr>
+        <p:txBody>
+          <a:bodyPr vert="horz" lIns="91440" tIns="45720" rIns="91440" bIns="45720" rtlCol="0"/>
+          <a:lstStyle>
+            <a:lvl1pPr algn="l">
+              <a:defRPr sz="1200"/>
+            </a:lvl1pPr>
+          </a:lstStyle>
+          <a:p>
+            <a:endParaRPr lang="fr-FR"/>
+          </a:p>
+        </p:txBody>
+      </p:sp>
+      <p:sp>
+        <p:nvSpPr>
+          <p:cNvPr id="3" name="Espace réservé de la date 2"/>
+          <p:cNvSpPr>
+            <a:spLocks noGrp="1"/>
+          </p:cNvSpPr>
+          <p:nvPr>
+            <p:ph type="dt" idx="1"/>
+          </p:nvPr>
+        </p:nvSpPr>
+        <p:spPr>
+          <a:xfrm>
+            <a:off x="3884613" y="0"/>
+            <a:ext cx="2971800" cy="458788"/>
+          </a:xfrm>
+          <a:prstGeom prst="rect">
+            <a:avLst/>
+          </a:prstGeom>
+        </p:spPr>
+        <p:txBody>
+          <a:bodyPr vert="horz" lIns="91440" tIns="45720" rIns="91440" bIns="45720" rtlCol="0"/>
+          <a:lstStyle>
+            <a:lvl1pPr algn="r">
+              <a:defRPr sz="1200"/>
+            </a:lvl1pPr>
+          </a:lstStyle>
+          <a:p>
+            <a:fld id="{764A366E-9195-46B4-B58D-705CDFB21A9B}" type="datetimeFigureOut">
+              <a:rPr lang="fr-FR" smtClean="0"/>
+              <a:t>05/02/2019</a:t>
+            </a:fld>
+            <a:endParaRPr lang="fr-FR"/>
+          </a:p>
+        </p:txBody>
+      </p:sp>
+      <p:sp>
+        <p:nvSpPr>
+          <p:cNvPr id="4" name="Espace réservé de l'image des diapositives 3"/>
+          <p:cNvSpPr>
+            <a:spLocks noGrp="1" noRot="1" noChangeAspect="1"/>
+          </p:cNvSpPr>
+          <p:nvPr>
+            <p:ph type="sldImg" idx="2"/>
+          </p:nvPr>
+        </p:nvSpPr>
+        <p:spPr>
+          <a:xfrm>
+            <a:off x="685800" y="1143000"/>
+            <a:ext cx="5486400" cy="3086100"/>
+          </a:xfrm>
+          <a:prstGeom prst="rect">
+            <a:avLst/>
+          </a:prstGeom>
+          <a:noFill/>
+          <a:ln w="12700">
+            <a:solidFill>
+              <a:prstClr val="black"/>
+            </a:solidFill>
+          </a:ln>
+        </p:spPr>
+        <p:txBody>
+          <a:bodyPr vert="horz" lIns="91440" tIns="45720" rIns="91440" bIns="45720" rtlCol="0" anchor="ctr"/>
+          <a:lstStyle/>
+          <a:p>
+            <a:endParaRPr lang="fr-FR"/>
+          </a:p>
+        </p:txBody>
+      </p:sp>
+      <p:sp>
+        <p:nvSpPr>
+          <p:cNvPr id="5" name="Espace réservé des notes 4"/>
+          <p:cNvSpPr>
+            <a:spLocks noGrp="1"/>
+          </p:cNvSpPr>
+          <p:nvPr>
+            <p:ph type="body" sz="quarter" idx="3"/>
+          </p:nvPr>
+        </p:nvSpPr>
+        <p:spPr>
+          <a:xfrm>
+            <a:off x="685800" y="4400550"/>
+            <a:ext cx="5486400" cy="3600450"/>
+          </a:xfrm>
+          <a:prstGeom prst="rect">
+            <a:avLst/>
+          </a:prstGeom>
+        </p:spPr>
+        <p:txBody>
+          <a:bodyPr vert="horz" lIns="91440" tIns="45720" rIns="91440" bIns="45720" rtlCol="0"/>
+          <a:lstStyle/>
+          <a:p>
+            <a:pPr lvl="0"/>
+            <a:r>
+              <a:rPr lang="fr-FR"/>
+              <a:t>Modifier les styles du texte du masque</a:t>
+            </a:r>
+          </a:p>
+          <a:p>
+            <a:pPr lvl="1"/>
+            <a:r>
+              <a:rPr lang="fr-FR"/>
+              <a:t>Deuxième niveau</a:t>
+            </a:r>
+          </a:p>
+          <a:p>
+            <a:pPr lvl="2"/>
+            <a:r>
+              <a:rPr lang="fr-FR"/>
+              <a:t>Troisième niveau</a:t>
+            </a:r>
+          </a:p>
+          <a:p>
+            <a:pPr lvl="3"/>
+            <a:r>
+              <a:rPr lang="fr-FR"/>
+              <a:t>Quatrième niveau</a:t>
+            </a:r>
+          </a:p>
+          <a:p>
+            <a:pPr lvl="4"/>
+            <a:r>
+              <a:rPr lang="fr-FR"/>
+              <a:t>Cinquième niveau</a:t>
+            </a:r>
+          </a:p>
+        </p:txBody>
+      </p:sp>
+      <p:sp>
+        <p:nvSpPr>
+          <p:cNvPr id="6" name="Espace réservé du pied de page 5"/>
+          <p:cNvSpPr>
+            <a:spLocks noGrp="1"/>
+          </p:cNvSpPr>
+          <p:nvPr>
+            <p:ph type="ftr" sz="quarter" idx="4"/>
+          </p:nvPr>
+        </p:nvSpPr>
+        <p:spPr>
+          <a:xfrm>
+            <a:off x="0" y="8685213"/>
+            <a:ext cx="2971800" cy="458787"/>
+          </a:xfrm>
+          <a:prstGeom prst="rect">
+            <a:avLst/>
+          </a:prstGeom>
+        </p:spPr>
+        <p:txBody>
+          <a:bodyPr vert="horz" lIns="91440" tIns="45720" rIns="91440" bIns="45720" rtlCol="0" anchor="b"/>
+          <a:lstStyle>
+            <a:lvl1pPr algn="l">
+              <a:defRPr sz="1200"/>
+            </a:lvl1pPr>
+          </a:lstStyle>
+          <a:p>
+            <a:endParaRPr lang="fr-FR"/>
+          </a:p>
+        </p:txBody>
+      </p:sp>
+      <p:sp>
+        <p:nvSpPr>
+          <p:cNvPr id="7" name="Espace réservé du numéro de diapositive 6"/>
+          <p:cNvSpPr>
+            <a:spLocks noGrp="1"/>
+          </p:cNvSpPr>
+          <p:nvPr>
+            <p:ph type="sldNum" sz="quarter" idx="5"/>
+          </p:nvPr>
+        </p:nvSpPr>
+        <p:spPr>
+          <a:xfrm>
+            <a:off x="3884613" y="8685213"/>
+            <a:ext cx="2971800" cy="458787"/>
+          </a:xfrm>
+          <a:prstGeom prst="rect">
+            <a:avLst/>
+          </a:prstGeom>
+        </p:spPr>
+        <p:txBody>
+          <a:bodyPr vert="horz" lIns="91440" tIns="45720" rIns="91440" bIns="45720" rtlCol="0" anchor="b"/>
+          <a:lstStyle>
+            <a:lvl1pPr algn="r">
+              <a:defRPr sz="1200"/>
+            </a:lvl1pPr>
+          </a:lstStyle>
+          <a:p>
+            <a:fld id="{133C55AA-5AEB-4D1C-A88B-246D297A893B}" type="slidenum">
+              <a:rPr lang="fr-FR" smtClean="0"/>
+              <a:t>‹N°›</a:t>
+            </a:fld>
+            <a:endParaRPr lang="fr-FR"/>
+          </a:p>
+        </p:txBody>
+      </p:sp>
+    </p:spTree>
+    <p:extLst>
+      <p:ext uri="{BB962C8B-B14F-4D97-AF65-F5344CB8AC3E}">
+        <p14:creationId xmlns:p14="http://schemas.microsoft.com/office/powerpoint/2010/main" val="637468902"/>
+      </p:ext>
+    </p:extLst>
+  </p:cSld>
+  <p:clrMap bg1="lt1" tx1="dk1" bg2="lt2" tx2="dk2" accent1="accent1" accent2="accent2" accent3="accent3" accent4="accent4" accent5="accent5" accent6="accent6" hlink="hlink" folHlink="folHlink"/>
+  <p:notesStyle>
+    <a:lvl1pPr marL="0" algn="l" defTabSz="914400" rtl="0" eaLnBrk="1" latinLnBrk="0" hangingPunct="1">
+      <a:defRPr sz="1200" kern="1200">
+        <a:solidFill>
+          <a:schemeClr val="tx1"/>
+        </a:solidFill>
+        <a:latin typeface="+mn-lt"/>
+        <a:ea typeface="+mn-ea"/>
+        <a:cs typeface="+mn-cs"/>
+      </a:defRPr>
+    </a:lvl1pPr>
+    <a:lvl2pPr marL="457200" algn="l" defTabSz="914400" rtl="0" eaLnBrk="1" latinLnBrk="0" hangingPunct="1">
+      <a:defRPr sz="1200" kern="1200">
+        <a:solidFill>
+          <a:schemeClr val="tx1"/>
+        </a:solidFill>
+        <a:latin typeface="+mn-lt"/>
+        <a:ea typeface="+mn-ea"/>
+        <a:cs typeface="+mn-cs"/>
+      </a:defRPr>
+    </a:lvl2pPr>
+    <a:lvl3pPr marL="914400" algn="l" defTabSz="914400" rtl="0" eaLnBrk="1" latinLnBrk="0" hangingPunct="1">
+      <a:defRPr sz="1200" kern="1200">
+        <a:solidFill>
+          <a:schemeClr val="tx1"/>
+        </a:solidFill>
+        <a:latin typeface="+mn-lt"/>
+        <a:ea typeface="+mn-ea"/>
+        <a:cs typeface="+mn-cs"/>
+      </a:defRPr>
+    </a:lvl3pPr>
+    <a:lvl4pPr marL="1371600" algn="l" defTabSz="914400" rtl="0" eaLnBrk="1" latinLnBrk="0" hangingPunct="1">
+      <a:defRPr sz="1200" kern="1200">
+        <a:solidFill>
+          <a:schemeClr val="tx1"/>
+        </a:solidFill>
+        <a:latin typeface="+mn-lt"/>
+        <a:ea typeface="+mn-ea"/>
+        <a:cs typeface="+mn-cs"/>
+      </a:defRPr>
+    </a:lvl4pPr>
+    <a:lvl5pPr marL="1828800" algn="l" defTabSz="914400" rtl="0" eaLnBrk="1" latinLnBrk="0" hangingPunct="1">
+      <a:defRPr sz="1200" kern="1200">
+        <a:solidFill>
+          <a:schemeClr val="tx1"/>
+        </a:solidFill>
+        <a:latin typeface="+mn-lt"/>
+        <a:ea typeface="+mn-ea"/>
+        <a:cs typeface="+mn-cs"/>
+      </a:defRPr>
+    </a:lvl5pPr>
+    <a:lvl6pPr marL="2286000" algn="l" defTabSz="914400" rtl="0" eaLnBrk="1" latinLnBrk="0" hangingPunct="1">
+      <a:defRPr sz="1200" kern="1200">
+        <a:solidFill>
+          <a:schemeClr val="tx1"/>
+        </a:solidFill>
+        <a:latin typeface="+mn-lt"/>
+        <a:ea typeface="+mn-ea"/>
+        <a:cs typeface="+mn-cs"/>
+      </a:defRPr>
+    </a:lvl6pPr>
+    <a:lvl7pPr marL="2743200" algn="l" defTabSz="914400" rtl="0" eaLnBrk="1" latinLnBrk="0" hangingPunct="1">
+      <a:defRPr sz="1200" kern="1200">
+        <a:solidFill>
+          <a:schemeClr val="tx1"/>
+        </a:solidFill>
+        <a:latin typeface="+mn-lt"/>
+        <a:ea typeface="+mn-ea"/>
+        <a:cs typeface="+mn-cs"/>
+      </a:defRPr>
+    </a:lvl7pPr>
+    <a:lvl8pPr marL="3200400" algn="l" defTabSz="914400" rtl="0" eaLnBrk="1" latinLnBrk="0" hangingPunct="1">
+      <a:defRPr sz="1200" kern="1200">
+        <a:solidFill>
+          <a:schemeClr val="tx1"/>
+        </a:solidFill>
+        <a:latin typeface="+mn-lt"/>
+        <a:ea typeface="+mn-ea"/>
+        <a:cs typeface="+mn-cs"/>
+      </a:defRPr>
+    </a:lvl8pPr>
+    <a:lvl9pPr marL="3657600" algn="l" defTabSz="914400" rtl="0" eaLnBrk="1" latinLnBrk="0" hangingPunct="1">
+      <a:defRPr sz="1200" kern="1200">
+        <a:solidFill>
+          <a:schemeClr val="tx1"/>
+        </a:solidFill>
+        <a:latin typeface="+mn-lt"/>
+        <a:ea typeface="+mn-ea"/>
+        <a:cs typeface="+mn-cs"/>
+      </a:defRPr>
+    </a:lvl9pPr>
+  </p:notesStyle>
+</p:notesMaster>
 </file>
 
 <file path=ppt/slideLayouts/slideLayout1.xml><?xml version="1.0" encoding="utf-8"?>
@@ -295,9 +662,9 @@
           <a:bodyPr/>
           <a:lstStyle/>
           <a:p>
-            <a:fld id="{4AAD347D-5ACD-4C99-B74B-A9C85AD731AF}" type="datetimeFigureOut">
+            <a:fld id="{9CDF7F9E-6E00-4113-AC73-E5BFAE78A350}" type="datetime1">
               <a:rPr lang="en-US" smtClean="0"/>
-              <a:t>2/1/2019</a:t>
+              <a:t>2/5/2019</a:t>
             </a:fld>
             <a:endParaRPr lang="en-US" dirty="0"/>
           </a:p>
@@ -570,9 +937,9 @@
           <a:bodyPr/>
           <a:lstStyle/>
           <a:p>
-            <a:fld id="{4509A250-FF31-4206-8172-F9D3106AACB1}" type="datetimeFigureOut">
+            <a:fld id="{E840E6B9-93CF-42CA-B465-555B0EC11436}" type="datetime1">
               <a:rPr lang="en-US" smtClean="0"/>
-              <a:t>2/1/2019</a:t>
+              <a:t>2/5/2019</a:t>
             </a:fld>
             <a:endParaRPr lang="en-US" dirty="0"/>
           </a:p>
@@ -764,9 +1131,9 @@
           <a:bodyPr/>
           <a:lstStyle/>
           <a:p>
-            <a:fld id="{4509A250-FF31-4206-8172-F9D3106AACB1}" type="datetimeFigureOut">
+            <a:fld id="{78CB7E90-CA85-4AA1-851F-4E2730D64063}" type="datetime1">
               <a:rPr lang="en-US" smtClean="0"/>
-              <a:t>2/1/2019</a:t>
+              <a:t>2/5/2019</a:t>
             </a:fld>
             <a:endParaRPr lang="en-US" dirty="0"/>
           </a:p>
@@ -1037,9 +1404,9 @@
           <a:bodyPr/>
           <a:lstStyle/>
           <a:p>
-            <a:fld id="{4AAD347D-5ACD-4C99-B74B-A9C85AD731AF}" type="datetimeFigureOut">
+            <a:fld id="{0A2439F4-E9B6-4625-9BB9-AE40B02AD432}" type="datetime1">
               <a:rPr lang="en-US" smtClean="0"/>
-              <a:t>2/1/2019</a:t>
+              <a:t>2/5/2019</a:t>
             </a:fld>
             <a:endParaRPr lang="en-US" dirty="0"/>
           </a:p>
@@ -1191,7 +1558,6 @@
   <p:clrMapOvr>
     <a:masterClrMapping/>
   </p:clrMapOvr>
-  <p:hf sldNum="0" hdr="0" ftr="0" dt="0"/>
 </p:sldLayout>
 </file>
 
@@ -1379,9 +1745,9 @@
           <a:bodyPr/>
           <a:lstStyle/>
           <a:p>
-            <a:fld id="{4509A250-FF31-4206-8172-F9D3106AACB1}" type="datetimeFigureOut">
+            <a:fld id="{1A914FA2-746B-4C8A-9CD2-2B606132B94A}" type="datetime1">
               <a:rPr lang="en-US" smtClean="0"/>
-              <a:t>2/1/2019</a:t>
+              <a:t>2/5/2019</a:t>
             </a:fld>
             <a:endParaRPr lang="en-US" dirty="0"/>
           </a:p>
@@ -2002,9 +2368,9 @@
           <a:bodyPr/>
           <a:lstStyle/>
           <a:p>
-            <a:fld id="{4509A250-FF31-4206-8172-F9D3106AACB1}" type="datetimeFigureOut">
+            <a:fld id="{9B548488-A4A1-4340-883F-12C74A2607E5}" type="datetime1">
               <a:rPr lang="en-US" smtClean="0"/>
-              <a:t>2/1/2019</a:t>
+              <a:t>2/5/2019</a:t>
             </a:fld>
             <a:endParaRPr lang="en-US" dirty="0"/>
           </a:p>
@@ -2862,9 +3228,9 @@
           <a:bodyPr/>
           <a:lstStyle/>
           <a:p>
-            <a:fld id="{4509A250-FF31-4206-8172-F9D3106AACB1}" type="datetimeFigureOut">
+            <a:fld id="{97732198-F6B0-44A5-ACC5-433F36B62B44}" type="datetime1">
               <a:rPr lang="en-US" smtClean="0"/>
-              <a:t>2/1/2019</a:t>
+              <a:t>2/5/2019</a:t>
             </a:fld>
             <a:endParaRPr lang="en-US" dirty="0"/>
           </a:p>
@@ -3032,9 +3398,9 @@
           <a:bodyPr/>
           <a:lstStyle/>
           <a:p>
-            <a:fld id="{4509A250-FF31-4206-8172-F9D3106AACB1}" type="datetimeFigureOut">
+            <a:fld id="{0173C52C-1632-4E92-AF28-1395657B955B}" type="datetime1">
               <a:rPr lang="en-US" smtClean="0"/>
-              <a:t>2/1/2019</a:t>
+              <a:t>2/5/2019</a:t>
             </a:fld>
             <a:endParaRPr lang="en-US" dirty="0"/>
           </a:p>
@@ -3212,9 +3578,9 @@
           <a:bodyPr/>
           <a:lstStyle/>
           <a:p>
-            <a:fld id="{4509A250-FF31-4206-8172-F9D3106AACB1}" type="datetimeFigureOut">
+            <a:fld id="{7D075721-1386-499D-9B55-B471B1C7294E}" type="datetime1">
               <a:rPr lang="en-US" smtClean="0"/>
-              <a:t>2/1/2019</a:t>
+              <a:t>2/5/2019</a:t>
             </a:fld>
             <a:endParaRPr lang="en-US" dirty="0"/>
           </a:p>
@@ -3382,9 +3748,9 @@
           <a:bodyPr/>
           <a:lstStyle/>
           <a:p>
-            <a:fld id="{4509A250-FF31-4206-8172-F9D3106AACB1}" type="datetimeFigureOut">
+            <a:fld id="{8D234204-FC47-43D3-B2BF-9AB8F6BB8033}" type="datetime1">
               <a:rPr lang="en-US" smtClean="0"/>
-              <a:t>2/1/2019</a:t>
+              <a:t>2/5/2019</a:t>
             </a:fld>
             <a:endParaRPr lang="en-US" dirty="0"/>
           </a:p>
@@ -3629,9 +3995,9 @@
           <a:bodyPr/>
           <a:lstStyle/>
           <a:p>
-            <a:fld id="{9796027F-7875-4030-9381-8BD8C4F21935}" type="datetimeFigureOut">
+            <a:fld id="{BB67C589-0300-45F0-BAEA-561B4F501A57}" type="datetime1">
               <a:rPr lang="en-US" smtClean="0"/>
-              <a:t>2/1/2019</a:t>
+              <a:t>2/5/2019</a:t>
             </a:fld>
             <a:endParaRPr lang="en-US" dirty="0"/>
           </a:p>
@@ -3921,9 +4287,9 @@
           <a:bodyPr/>
           <a:lstStyle/>
           <a:p>
-            <a:fld id="{9796027F-7875-4030-9381-8BD8C4F21935}" type="datetimeFigureOut">
+            <a:fld id="{BE29C66F-8B97-462D-98F3-8892F3D79662}" type="datetime1">
               <a:rPr lang="en-US" smtClean="0"/>
-              <a:t>2/1/2019</a:t>
+              <a:t>2/5/2019</a:t>
             </a:fld>
             <a:endParaRPr lang="en-US" dirty="0"/>
           </a:p>
@@ -4365,9 +4731,9 @@
           <a:bodyPr/>
           <a:lstStyle/>
           <a:p>
-            <a:fld id="{9796027F-7875-4030-9381-8BD8C4F21935}" type="datetimeFigureOut">
+            <a:fld id="{B1EB9876-AD5C-42A7-9299-1DFE93E72350}" type="datetime1">
               <a:rPr lang="en-US" smtClean="0"/>
-              <a:t>2/1/2019</a:t>
+              <a:t>2/5/2019</a:t>
             </a:fld>
             <a:endParaRPr lang="en-US" dirty="0"/>
           </a:p>
@@ -4483,9 +4849,9 @@
           <a:bodyPr/>
           <a:lstStyle/>
           <a:p>
-            <a:fld id="{4509A250-FF31-4206-8172-F9D3106AACB1}" type="datetimeFigureOut">
+            <a:fld id="{EA6CC755-2BF6-404D-ACD3-8F04E5D38182}" type="datetime1">
               <a:rPr lang="en-US" smtClean="0"/>
-              <a:t>2/1/2019</a:t>
+              <a:t>2/5/2019</a:t>
             </a:fld>
             <a:endParaRPr lang="en-US" dirty="0"/>
           </a:p>
@@ -4578,9 +4944,9 @@
           <a:bodyPr/>
           <a:lstStyle/>
           <a:p>
-            <a:fld id="{4509A250-FF31-4206-8172-F9D3106AACB1}" type="datetimeFigureOut">
+            <a:fld id="{C76944B8-02F7-40F0-8860-1C8AC98BA408}" type="datetime1">
               <a:rPr lang="en-US" smtClean="0"/>
-              <a:t>2/1/2019</a:t>
+              <a:t>2/5/2019</a:t>
             </a:fld>
             <a:endParaRPr lang="en-US" dirty="0"/>
           </a:p>
@@ -4857,9 +5223,9 @@
           <a:bodyPr/>
           <a:lstStyle/>
           <a:p>
-            <a:fld id="{4509A250-FF31-4206-8172-F9D3106AACB1}" type="datetimeFigureOut">
+            <a:fld id="{636148EB-7BCA-4EAB-ADB3-F7144A20F2CD}" type="datetime1">
               <a:rPr lang="en-US" smtClean="0"/>
-              <a:t>2/1/2019</a:t>
+              <a:t>2/5/2019</a:t>
             </a:fld>
             <a:endParaRPr lang="en-US" dirty="0"/>
           </a:p>
@@ -5132,9 +5498,9 @@
           <a:bodyPr/>
           <a:lstStyle/>
           <a:p>
-            <a:fld id="{4509A250-FF31-4206-8172-F9D3106AACB1}" type="datetimeFigureOut">
+            <a:fld id="{10A3A75D-5AD9-4DBD-9280-4E4EDD19861D}" type="datetime1">
               <a:rPr lang="en-US" smtClean="0"/>
-              <a:t>2/1/2019</a:t>
+              <a:t>2/5/2019</a:t>
             </a:fld>
             <a:endParaRPr lang="en-US" dirty="0"/>
           </a:p>
@@ -5561,9 +5927,9 @@
             </a:lvl1pPr>
           </a:lstStyle>
           <a:p>
-            <a:fld id="{4AAD347D-5ACD-4C99-B74B-A9C85AD731AF}" type="datetimeFigureOut">
+            <a:fld id="{D0F6AA27-76AE-4C27-81EA-FDCF515A2523}" type="datetime1">
               <a:rPr lang="en-US" smtClean="0"/>
-              <a:t>2/1/2019</a:t>
+              <a:t>2/5/2019</a:t>
             </a:fld>
             <a:endParaRPr lang="en-US" dirty="0"/>
           </a:p>
@@ -5675,7 +6041,7 @@
     <p:sldLayoutId id="2147483777" r:id="rId16"/>
     <p:sldLayoutId id="2147483778" r:id="rId17"/>
   </p:sldLayoutIdLst>
-  <p:hf sldNum="0" hdr="0" ftr="0" dt="0"/>
+  <p:hf hdr="0" ftr="0" dt="0"/>
   <p:txStyles>
     <p:titleStyle>
       <a:lvl1pPr algn="l" defTabSz="457200" rtl="0" eaLnBrk="1" latinLnBrk="0" hangingPunct="1">
@@ -6240,10 +6606,723 @@
           </a:prstGeom>
         </p:spPr>
       </p:pic>
+      <p:sp>
+        <p:nvSpPr>
+          <p:cNvPr id="4" name="Espace réservé du numéro de diapositive 3">
+            <a:extLst>
+              <a:ext uri="{FF2B5EF4-FFF2-40B4-BE49-F238E27FC236}">
+                <a16:creationId xmlns:a16="http://schemas.microsoft.com/office/drawing/2014/main" id="{5E67173C-D5FD-408C-A2FE-903C7860C18D}"/>
+              </a:ext>
+            </a:extLst>
+          </p:cNvPr>
+          <p:cNvSpPr>
+            <a:spLocks noGrp="1"/>
+          </p:cNvSpPr>
+          <p:nvPr>
+            <p:ph type="sldNum" sz="quarter" idx="12"/>
+          </p:nvPr>
+        </p:nvSpPr>
+        <p:spPr/>
+        <p:txBody>
+          <a:bodyPr/>
+          <a:lstStyle/>
+          <a:p>
+            <a:fld id="{D57F1E4F-1CFF-5643-939E-02111984F565}" type="slidenum">
+              <a:rPr lang="en-US" smtClean="0"/>
+              <a:t>1</a:t>
+            </a:fld>
+            <a:endParaRPr lang="en-US" dirty="0"/>
+          </a:p>
+        </p:txBody>
+      </p:sp>
     </p:spTree>
     <p:extLst>
       <p:ext uri="{BB962C8B-B14F-4D97-AF65-F5344CB8AC3E}">
         <p14:creationId xmlns:p14="http://schemas.microsoft.com/office/powerpoint/2010/main" val="2978191245"/>
+      </p:ext>
+    </p:extLst>
+  </p:cSld>
+  <p:clrMapOvr>
+    <a:masterClrMapping/>
+  </p:clrMapOvr>
+</p:sld>
+</file>
+
+<file path=ppt/slides/slide10.xml><?xml version="1.0" encoding="utf-8"?>
+<p:sld xmlns:a="http://schemas.openxmlformats.org/drawingml/2006/main" xmlns:r="http://schemas.openxmlformats.org/officeDocument/2006/relationships" xmlns:p="http://schemas.openxmlformats.org/presentationml/2006/main">
+  <p:cSld>
+    <p:spTree>
+      <p:nvGrpSpPr>
+        <p:cNvPr id="1" name=""/>
+        <p:cNvGrpSpPr/>
+        <p:nvPr/>
+      </p:nvGrpSpPr>
+      <p:grpSpPr>
+        <a:xfrm>
+          <a:off x="0" y="0"/>
+          <a:ext cx="0" cy="0"/>
+          <a:chOff x="0" y="0"/>
+          <a:chExt cx="0" cy="0"/>
+        </a:xfrm>
+      </p:grpSpPr>
+      <p:sp>
+        <p:nvSpPr>
+          <p:cNvPr id="2" name="Titre 1">
+            <a:extLst>
+              <a:ext uri="{FF2B5EF4-FFF2-40B4-BE49-F238E27FC236}">
+                <a16:creationId xmlns:a16="http://schemas.microsoft.com/office/drawing/2014/main" id="{E882F766-7D16-4593-9DE5-132A04122227}"/>
+              </a:ext>
+            </a:extLst>
+          </p:cNvPr>
+          <p:cNvSpPr>
+            <a:spLocks noGrp="1"/>
+          </p:cNvSpPr>
+          <p:nvPr>
+            <p:ph type="title"/>
+          </p:nvPr>
+        </p:nvSpPr>
+        <p:spPr/>
+        <p:txBody>
+          <a:bodyPr/>
+          <a:lstStyle/>
+          <a:p>
+            <a:r>
+              <a:rPr lang="fr-FR" dirty="0"/>
+              <a:t>Diagramme de séquence</a:t>
+            </a:r>
+            <a:br>
+              <a:rPr lang="fr-FR" dirty="0"/>
+            </a:br>
+            <a:endParaRPr lang="fr-FR" dirty="0"/>
+          </a:p>
+        </p:txBody>
+      </p:sp>
+      <p:sp>
+        <p:nvSpPr>
+          <p:cNvPr id="3" name="Espace réservé du contenu 2">
+            <a:extLst>
+              <a:ext uri="{FF2B5EF4-FFF2-40B4-BE49-F238E27FC236}">
+                <a16:creationId xmlns:a16="http://schemas.microsoft.com/office/drawing/2014/main" id="{E17A0EE6-ABBD-4246-97FB-070E1FE9A482}"/>
+              </a:ext>
+            </a:extLst>
+          </p:cNvPr>
+          <p:cNvSpPr>
+            <a:spLocks noGrp="1"/>
+          </p:cNvSpPr>
+          <p:nvPr>
+            <p:ph idx="1"/>
+          </p:nvPr>
+        </p:nvSpPr>
+        <p:spPr/>
+        <p:txBody>
+          <a:bodyPr/>
+          <a:lstStyle/>
+          <a:p>
+            <a:endParaRPr lang="fr-FR"/>
+          </a:p>
+        </p:txBody>
+      </p:sp>
+      <p:sp>
+        <p:nvSpPr>
+          <p:cNvPr id="4" name="Espace réservé du numéro de diapositive 3">
+            <a:extLst>
+              <a:ext uri="{FF2B5EF4-FFF2-40B4-BE49-F238E27FC236}">
+                <a16:creationId xmlns:a16="http://schemas.microsoft.com/office/drawing/2014/main" id="{9857D26C-4CF8-442E-8529-E66278002085}"/>
+              </a:ext>
+            </a:extLst>
+          </p:cNvPr>
+          <p:cNvSpPr>
+            <a:spLocks noGrp="1"/>
+          </p:cNvSpPr>
+          <p:nvPr>
+            <p:ph type="sldNum" sz="quarter" idx="12"/>
+          </p:nvPr>
+        </p:nvSpPr>
+        <p:spPr/>
+        <p:txBody>
+          <a:bodyPr/>
+          <a:lstStyle/>
+          <a:p>
+            <a:fld id="{D57F1E4F-1CFF-5643-939E-02111984F565}" type="slidenum">
+              <a:rPr lang="en-US" smtClean="0"/>
+              <a:t>10</a:t>
+            </a:fld>
+            <a:endParaRPr lang="en-US" dirty="0"/>
+          </a:p>
+        </p:txBody>
+      </p:sp>
+    </p:spTree>
+    <p:extLst>
+      <p:ext uri="{BB962C8B-B14F-4D97-AF65-F5344CB8AC3E}">
+        <p14:creationId xmlns:p14="http://schemas.microsoft.com/office/powerpoint/2010/main" val="3348808654"/>
+      </p:ext>
+    </p:extLst>
+  </p:cSld>
+  <p:clrMapOvr>
+    <a:masterClrMapping/>
+  </p:clrMapOvr>
+</p:sld>
+</file>
+
+<file path=ppt/slides/slide11.xml><?xml version="1.0" encoding="utf-8"?>
+<p:sld xmlns:a="http://schemas.openxmlformats.org/drawingml/2006/main" xmlns:r="http://schemas.openxmlformats.org/officeDocument/2006/relationships" xmlns:p="http://schemas.openxmlformats.org/presentationml/2006/main">
+  <p:cSld>
+    <p:spTree>
+      <p:nvGrpSpPr>
+        <p:cNvPr id="1" name=""/>
+        <p:cNvGrpSpPr/>
+        <p:nvPr/>
+      </p:nvGrpSpPr>
+      <p:grpSpPr>
+        <a:xfrm>
+          <a:off x="0" y="0"/>
+          <a:ext cx="0" cy="0"/>
+          <a:chOff x="0" y="0"/>
+          <a:chExt cx="0" cy="0"/>
+        </a:xfrm>
+      </p:grpSpPr>
+      <p:sp>
+        <p:nvSpPr>
+          <p:cNvPr id="2" name="Titre 1">
+            <a:extLst>
+              <a:ext uri="{FF2B5EF4-FFF2-40B4-BE49-F238E27FC236}">
+                <a16:creationId xmlns:a16="http://schemas.microsoft.com/office/drawing/2014/main" id="{72E8EE69-A26E-4C2C-9FCF-73592E0FE45D}"/>
+              </a:ext>
+            </a:extLst>
+          </p:cNvPr>
+          <p:cNvSpPr>
+            <a:spLocks noGrp="1"/>
+          </p:cNvSpPr>
+          <p:nvPr>
+            <p:ph type="title"/>
+          </p:nvPr>
+        </p:nvSpPr>
+        <p:spPr/>
+        <p:txBody>
+          <a:bodyPr/>
+          <a:lstStyle/>
+          <a:p>
+            <a:r>
+              <a:rPr lang="fr-FR" dirty="0"/>
+              <a:t>Avancement</a:t>
+            </a:r>
+          </a:p>
+        </p:txBody>
+      </p:sp>
+      <p:sp>
+        <p:nvSpPr>
+          <p:cNvPr id="3" name="Espace réservé du contenu 2">
+            <a:extLst>
+              <a:ext uri="{FF2B5EF4-FFF2-40B4-BE49-F238E27FC236}">
+                <a16:creationId xmlns:a16="http://schemas.microsoft.com/office/drawing/2014/main" id="{6AEBEFFB-5B02-4486-976A-AD7038A1EFF1}"/>
+              </a:ext>
+            </a:extLst>
+          </p:cNvPr>
+          <p:cNvSpPr>
+            <a:spLocks noGrp="1"/>
+          </p:cNvSpPr>
+          <p:nvPr>
+            <p:ph idx="1"/>
+          </p:nvPr>
+        </p:nvSpPr>
+        <p:spPr/>
+        <p:txBody>
+          <a:bodyPr/>
+          <a:lstStyle/>
+          <a:p>
+            <a:endParaRPr lang="fr-FR"/>
+          </a:p>
+        </p:txBody>
+      </p:sp>
+      <p:sp>
+        <p:nvSpPr>
+          <p:cNvPr id="4" name="Espace réservé du numéro de diapositive 3">
+            <a:extLst>
+              <a:ext uri="{FF2B5EF4-FFF2-40B4-BE49-F238E27FC236}">
+                <a16:creationId xmlns:a16="http://schemas.microsoft.com/office/drawing/2014/main" id="{C75FD606-AFF1-4603-8261-AFDD1BCD2EE8}"/>
+              </a:ext>
+            </a:extLst>
+          </p:cNvPr>
+          <p:cNvSpPr>
+            <a:spLocks noGrp="1"/>
+          </p:cNvSpPr>
+          <p:nvPr>
+            <p:ph type="sldNum" sz="quarter" idx="12"/>
+          </p:nvPr>
+        </p:nvSpPr>
+        <p:spPr/>
+        <p:txBody>
+          <a:bodyPr/>
+          <a:lstStyle/>
+          <a:p>
+            <a:fld id="{D57F1E4F-1CFF-5643-939E-02111984F565}" type="slidenum">
+              <a:rPr lang="en-US" smtClean="0"/>
+              <a:t>11</a:t>
+            </a:fld>
+            <a:endParaRPr lang="en-US" dirty="0"/>
+          </a:p>
+        </p:txBody>
+      </p:sp>
+    </p:spTree>
+    <p:extLst>
+      <p:ext uri="{BB962C8B-B14F-4D97-AF65-F5344CB8AC3E}">
+        <p14:creationId xmlns:p14="http://schemas.microsoft.com/office/powerpoint/2010/main" val="2314017998"/>
+      </p:ext>
+    </p:extLst>
+  </p:cSld>
+  <p:clrMapOvr>
+    <a:masterClrMapping/>
+  </p:clrMapOvr>
+</p:sld>
+</file>
+
+<file path=ppt/slides/slide12.xml><?xml version="1.0" encoding="utf-8"?>
+<p:sld xmlns:a="http://schemas.openxmlformats.org/drawingml/2006/main" xmlns:r="http://schemas.openxmlformats.org/officeDocument/2006/relationships" xmlns:p="http://schemas.openxmlformats.org/presentationml/2006/main">
+  <p:cSld>
+    <p:spTree>
+      <p:nvGrpSpPr>
+        <p:cNvPr id="1" name=""/>
+        <p:cNvGrpSpPr/>
+        <p:nvPr/>
+      </p:nvGrpSpPr>
+      <p:grpSpPr>
+        <a:xfrm>
+          <a:off x="0" y="0"/>
+          <a:ext cx="0" cy="0"/>
+          <a:chOff x="0" y="0"/>
+          <a:chExt cx="0" cy="0"/>
+        </a:xfrm>
+      </p:grpSpPr>
+      <p:sp>
+        <p:nvSpPr>
+          <p:cNvPr id="2" name="Titre 1">
+            <a:extLst>
+              <a:ext uri="{FF2B5EF4-FFF2-40B4-BE49-F238E27FC236}">
+                <a16:creationId xmlns:a16="http://schemas.microsoft.com/office/drawing/2014/main" id="{DFEC854F-D082-426F-BA5C-A7C7E5C2DF35}"/>
+              </a:ext>
+            </a:extLst>
+          </p:cNvPr>
+          <p:cNvSpPr>
+            <a:spLocks noGrp="1"/>
+          </p:cNvSpPr>
+          <p:nvPr>
+            <p:ph type="title"/>
+          </p:nvPr>
+        </p:nvSpPr>
+        <p:spPr/>
+        <p:txBody>
+          <a:bodyPr/>
+          <a:lstStyle/>
+          <a:p>
+            <a:r>
+              <a:rPr lang="fr-FR" dirty="0"/>
+              <a:t>Choix des capteurs</a:t>
+            </a:r>
+            <a:br>
+              <a:rPr lang="fr-FR" dirty="0"/>
+            </a:br>
+            <a:endParaRPr lang="fr-FR" dirty="0"/>
+          </a:p>
+        </p:txBody>
+      </p:sp>
+      <p:sp>
+        <p:nvSpPr>
+          <p:cNvPr id="3" name="Espace réservé du contenu 2">
+            <a:extLst>
+              <a:ext uri="{FF2B5EF4-FFF2-40B4-BE49-F238E27FC236}">
+                <a16:creationId xmlns:a16="http://schemas.microsoft.com/office/drawing/2014/main" id="{4098CDA9-CBD8-404B-A7CC-62981935A40C}"/>
+              </a:ext>
+            </a:extLst>
+          </p:cNvPr>
+          <p:cNvSpPr>
+            <a:spLocks noGrp="1"/>
+          </p:cNvSpPr>
+          <p:nvPr>
+            <p:ph idx="1"/>
+          </p:nvPr>
+        </p:nvSpPr>
+        <p:spPr/>
+        <p:txBody>
+          <a:bodyPr/>
+          <a:lstStyle/>
+          <a:p>
+            <a:endParaRPr lang="fr-FR"/>
+          </a:p>
+        </p:txBody>
+      </p:sp>
+      <p:sp>
+        <p:nvSpPr>
+          <p:cNvPr id="4" name="Espace réservé du numéro de diapositive 3">
+            <a:extLst>
+              <a:ext uri="{FF2B5EF4-FFF2-40B4-BE49-F238E27FC236}">
+                <a16:creationId xmlns:a16="http://schemas.microsoft.com/office/drawing/2014/main" id="{DE175100-BFBB-44F7-8114-55B47FDAFB8E}"/>
+              </a:ext>
+            </a:extLst>
+          </p:cNvPr>
+          <p:cNvSpPr>
+            <a:spLocks noGrp="1"/>
+          </p:cNvSpPr>
+          <p:nvPr>
+            <p:ph type="sldNum" sz="quarter" idx="12"/>
+          </p:nvPr>
+        </p:nvSpPr>
+        <p:spPr/>
+        <p:txBody>
+          <a:bodyPr/>
+          <a:lstStyle/>
+          <a:p>
+            <a:fld id="{D57F1E4F-1CFF-5643-939E-02111984F565}" type="slidenum">
+              <a:rPr lang="en-US" smtClean="0"/>
+              <a:t>12</a:t>
+            </a:fld>
+            <a:endParaRPr lang="en-US" dirty="0"/>
+          </a:p>
+        </p:txBody>
+      </p:sp>
+    </p:spTree>
+    <p:extLst>
+      <p:ext uri="{BB962C8B-B14F-4D97-AF65-F5344CB8AC3E}">
+        <p14:creationId xmlns:p14="http://schemas.microsoft.com/office/powerpoint/2010/main" val="836013195"/>
+      </p:ext>
+    </p:extLst>
+  </p:cSld>
+  <p:clrMapOvr>
+    <a:masterClrMapping/>
+  </p:clrMapOvr>
+</p:sld>
+</file>
+
+<file path=ppt/slides/slide13.xml><?xml version="1.0" encoding="utf-8"?>
+<p:sld xmlns:a="http://schemas.openxmlformats.org/drawingml/2006/main" xmlns:r="http://schemas.openxmlformats.org/officeDocument/2006/relationships" xmlns:p="http://schemas.openxmlformats.org/presentationml/2006/main">
+  <p:cSld>
+    <p:spTree>
+      <p:nvGrpSpPr>
+        <p:cNvPr id="1" name=""/>
+        <p:cNvGrpSpPr/>
+        <p:nvPr/>
+      </p:nvGrpSpPr>
+      <p:grpSpPr>
+        <a:xfrm>
+          <a:off x="0" y="0"/>
+          <a:ext cx="0" cy="0"/>
+          <a:chOff x="0" y="0"/>
+          <a:chExt cx="0" cy="0"/>
+        </a:xfrm>
+      </p:grpSpPr>
+      <p:sp>
+        <p:nvSpPr>
+          <p:cNvPr id="2" name="Titre 1">
+            <a:extLst>
+              <a:ext uri="{FF2B5EF4-FFF2-40B4-BE49-F238E27FC236}">
+                <a16:creationId xmlns:a16="http://schemas.microsoft.com/office/drawing/2014/main" id="{3AD10DBE-A115-487C-AB0B-E3EDE129DA50}"/>
+              </a:ext>
+            </a:extLst>
+          </p:cNvPr>
+          <p:cNvSpPr>
+            <a:spLocks noGrp="1"/>
+          </p:cNvSpPr>
+          <p:nvPr>
+            <p:ph type="title"/>
+          </p:nvPr>
+        </p:nvSpPr>
+        <p:spPr/>
+        <p:txBody>
+          <a:bodyPr/>
+          <a:lstStyle/>
+          <a:p>
+            <a:r>
+              <a:rPr lang="fr-FR" dirty="0"/>
+              <a:t>Codage des Capteur</a:t>
+            </a:r>
+            <a:br>
+              <a:rPr lang="fr-FR" dirty="0"/>
+            </a:br>
+            <a:endParaRPr lang="fr-FR" dirty="0"/>
+          </a:p>
+        </p:txBody>
+      </p:sp>
+      <p:sp>
+        <p:nvSpPr>
+          <p:cNvPr id="3" name="Espace réservé du contenu 2">
+            <a:extLst>
+              <a:ext uri="{FF2B5EF4-FFF2-40B4-BE49-F238E27FC236}">
+                <a16:creationId xmlns:a16="http://schemas.microsoft.com/office/drawing/2014/main" id="{49124C73-FE5B-41D2-9A16-60D20D8973BF}"/>
+              </a:ext>
+            </a:extLst>
+          </p:cNvPr>
+          <p:cNvSpPr>
+            <a:spLocks noGrp="1"/>
+          </p:cNvSpPr>
+          <p:nvPr>
+            <p:ph idx="1"/>
+          </p:nvPr>
+        </p:nvSpPr>
+        <p:spPr/>
+        <p:txBody>
+          <a:bodyPr/>
+          <a:lstStyle/>
+          <a:p>
+            <a:endParaRPr lang="fr-FR"/>
+          </a:p>
+        </p:txBody>
+      </p:sp>
+      <p:sp>
+        <p:nvSpPr>
+          <p:cNvPr id="4" name="Espace réservé du numéro de diapositive 3">
+            <a:extLst>
+              <a:ext uri="{FF2B5EF4-FFF2-40B4-BE49-F238E27FC236}">
+                <a16:creationId xmlns:a16="http://schemas.microsoft.com/office/drawing/2014/main" id="{EAFB14A1-F02B-4D92-9FFA-7D51A46FCCDD}"/>
+              </a:ext>
+            </a:extLst>
+          </p:cNvPr>
+          <p:cNvSpPr>
+            <a:spLocks noGrp="1"/>
+          </p:cNvSpPr>
+          <p:nvPr>
+            <p:ph type="sldNum" sz="quarter" idx="12"/>
+          </p:nvPr>
+        </p:nvSpPr>
+        <p:spPr/>
+        <p:txBody>
+          <a:bodyPr/>
+          <a:lstStyle/>
+          <a:p>
+            <a:fld id="{D57F1E4F-1CFF-5643-939E-02111984F565}" type="slidenum">
+              <a:rPr lang="en-US" smtClean="0"/>
+              <a:t>13</a:t>
+            </a:fld>
+            <a:endParaRPr lang="en-US" dirty="0"/>
+          </a:p>
+        </p:txBody>
+      </p:sp>
+    </p:spTree>
+    <p:extLst>
+      <p:ext uri="{BB962C8B-B14F-4D97-AF65-F5344CB8AC3E}">
+        <p14:creationId xmlns:p14="http://schemas.microsoft.com/office/powerpoint/2010/main" val="1604239392"/>
+      </p:ext>
+    </p:extLst>
+  </p:cSld>
+  <p:clrMapOvr>
+    <a:masterClrMapping/>
+  </p:clrMapOvr>
+</p:sld>
+</file>
+
+<file path=ppt/slides/slide14.xml><?xml version="1.0" encoding="utf-8"?>
+<p:sld xmlns:a="http://schemas.openxmlformats.org/drawingml/2006/main" xmlns:r="http://schemas.openxmlformats.org/officeDocument/2006/relationships" xmlns:p="http://schemas.openxmlformats.org/presentationml/2006/main">
+  <p:cSld>
+    <p:spTree>
+      <p:nvGrpSpPr>
+        <p:cNvPr id="1" name=""/>
+        <p:cNvGrpSpPr/>
+        <p:nvPr/>
+      </p:nvGrpSpPr>
+      <p:grpSpPr>
+        <a:xfrm>
+          <a:off x="0" y="0"/>
+          <a:ext cx="0" cy="0"/>
+          <a:chOff x="0" y="0"/>
+          <a:chExt cx="0" cy="0"/>
+        </a:xfrm>
+      </p:grpSpPr>
+      <p:sp>
+        <p:nvSpPr>
+          <p:cNvPr id="2" name="Titre 1">
+            <a:extLst>
+              <a:ext uri="{FF2B5EF4-FFF2-40B4-BE49-F238E27FC236}">
+                <a16:creationId xmlns:a16="http://schemas.microsoft.com/office/drawing/2014/main" id="{F55B808C-D0CE-4689-8341-C632E6C8788B}"/>
+              </a:ext>
+            </a:extLst>
+          </p:cNvPr>
+          <p:cNvSpPr>
+            <a:spLocks noGrp="1"/>
+          </p:cNvSpPr>
+          <p:nvPr>
+            <p:ph type="title"/>
+          </p:nvPr>
+        </p:nvSpPr>
+        <p:spPr/>
+        <p:txBody>
+          <a:bodyPr/>
+          <a:lstStyle/>
+          <a:p>
+            <a:r>
+              <a:rPr lang="fr-FR" dirty="0"/>
+              <a:t>Symfony</a:t>
+            </a:r>
+          </a:p>
+        </p:txBody>
+      </p:sp>
+      <p:sp>
+        <p:nvSpPr>
+          <p:cNvPr id="3" name="Espace réservé du contenu 2">
+            <a:extLst>
+              <a:ext uri="{FF2B5EF4-FFF2-40B4-BE49-F238E27FC236}">
+                <a16:creationId xmlns:a16="http://schemas.microsoft.com/office/drawing/2014/main" id="{1D9557DD-6B47-45B9-84B3-330D8E2B48B7}"/>
+              </a:ext>
+            </a:extLst>
+          </p:cNvPr>
+          <p:cNvSpPr>
+            <a:spLocks noGrp="1"/>
+          </p:cNvSpPr>
+          <p:nvPr>
+            <p:ph idx="1"/>
+          </p:nvPr>
+        </p:nvSpPr>
+        <p:spPr/>
+        <p:txBody>
+          <a:bodyPr/>
+          <a:lstStyle/>
+          <a:p>
+            <a:endParaRPr lang="fr-FR"/>
+          </a:p>
+        </p:txBody>
+      </p:sp>
+      <p:sp>
+        <p:nvSpPr>
+          <p:cNvPr id="4" name="Espace réservé du numéro de diapositive 3">
+            <a:extLst>
+              <a:ext uri="{FF2B5EF4-FFF2-40B4-BE49-F238E27FC236}">
+                <a16:creationId xmlns:a16="http://schemas.microsoft.com/office/drawing/2014/main" id="{4BF058FB-602D-4B99-9AAF-680E3DD146F3}"/>
+              </a:ext>
+            </a:extLst>
+          </p:cNvPr>
+          <p:cNvSpPr>
+            <a:spLocks noGrp="1"/>
+          </p:cNvSpPr>
+          <p:nvPr>
+            <p:ph type="sldNum" sz="quarter" idx="12"/>
+          </p:nvPr>
+        </p:nvSpPr>
+        <p:spPr/>
+        <p:txBody>
+          <a:bodyPr/>
+          <a:lstStyle/>
+          <a:p>
+            <a:fld id="{D57F1E4F-1CFF-5643-939E-02111984F565}" type="slidenum">
+              <a:rPr lang="en-US" smtClean="0"/>
+              <a:t>14</a:t>
+            </a:fld>
+            <a:endParaRPr lang="en-US" dirty="0"/>
+          </a:p>
+        </p:txBody>
+      </p:sp>
+    </p:spTree>
+    <p:extLst>
+      <p:ext uri="{BB962C8B-B14F-4D97-AF65-F5344CB8AC3E}">
+        <p14:creationId xmlns:p14="http://schemas.microsoft.com/office/powerpoint/2010/main" val="1714786322"/>
+      </p:ext>
+    </p:extLst>
+  </p:cSld>
+  <p:clrMapOvr>
+    <a:masterClrMapping/>
+  </p:clrMapOvr>
+</p:sld>
+</file>
+
+<file path=ppt/slides/slide15.xml><?xml version="1.0" encoding="utf-8"?>
+<p:sld xmlns:a="http://schemas.openxmlformats.org/drawingml/2006/main" xmlns:r="http://schemas.openxmlformats.org/officeDocument/2006/relationships" xmlns:p="http://schemas.openxmlformats.org/presentationml/2006/main">
+  <p:cSld>
+    <p:spTree>
+      <p:nvGrpSpPr>
+        <p:cNvPr id="1" name=""/>
+        <p:cNvGrpSpPr/>
+        <p:nvPr/>
+      </p:nvGrpSpPr>
+      <p:grpSpPr>
+        <a:xfrm>
+          <a:off x="0" y="0"/>
+          <a:ext cx="0" cy="0"/>
+          <a:chOff x="0" y="0"/>
+          <a:chExt cx="0" cy="0"/>
+        </a:xfrm>
+      </p:grpSpPr>
+      <p:sp>
+        <p:nvSpPr>
+          <p:cNvPr id="2" name="Titre 1">
+            <a:extLst>
+              <a:ext uri="{FF2B5EF4-FFF2-40B4-BE49-F238E27FC236}">
+                <a16:creationId xmlns:a16="http://schemas.microsoft.com/office/drawing/2014/main" id="{8928222E-6BA2-4C4C-B74B-B72BAD994C58}"/>
+              </a:ext>
+            </a:extLst>
+          </p:cNvPr>
+          <p:cNvSpPr>
+            <a:spLocks noGrp="1"/>
+          </p:cNvSpPr>
+          <p:nvPr>
+            <p:ph type="title"/>
+          </p:nvPr>
+        </p:nvSpPr>
+        <p:spPr/>
+        <p:txBody>
+          <a:bodyPr/>
+          <a:lstStyle/>
+          <a:p>
+            <a:r>
+              <a:rPr lang="fr-FR" dirty="0"/>
+              <a:t>Conclusion</a:t>
+            </a:r>
+          </a:p>
+        </p:txBody>
+      </p:sp>
+      <p:sp>
+        <p:nvSpPr>
+          <p:cNvPr id="3" name="Espace réservé du contenu 2">
+            <a:extLst>
+              <a:ext uri="{FF2B5EF4-FFF2-40B4-BE49-F238E27FC236}">
+                <a16:creationId xmlns:a16="http://schemas.microsoft.com/office/drawing/2014/main" id="{24CF5CAD-031E-4686-B0CF-C628310194C2}"/>
+              </a:ext>
+            </a:extLst>
+          </p:cNvPr>
+          <p:cNvSpPr>
+            <a:spLocks noGrp="1"/>
+          </p:cNvSpPr>
+          <p:nvPr>
+            <p:ph idx="1"/>
+          </p:nvPr>
+        </p:nvSpPr>
+        <p:spPr/>
+        <p:txBody>
+          <a:bodyPr/>
+          <a:lstStyle/>
+          <a:p>
+            <a:endParaRPr lang="fr-FR"/>
+          </a:p>
+        </p:txBody>
+      </p:sp>
+      <p:sp>
+        <p:nvSpPr>
+          <p:cNvPr id="4" name="Espace réservé du numéro de diapositive 3">
+            <a:extLst>
+              <a:ext uri="{FF2B5EF4-FFF2-40B4-BE49-F238E27FC236}">
+                <a16:creationId xmlns:a16="http://schemas.microsoft.com/office/drawing/2014/main" id="{3AABDAE1-EC5A-47D3-98FB-F06674787172}"/>
+              </a:ext>
+            </a:extLst>
+          </p:cNvPr>
+          <p:cNvSpPr>
+            <a:spLocks noGrp="1"/>
+          </p:cNvSpPr>
+          <p:nvPr>
+            <p:ph type="sldNum" sz="quarter" idx="12"/>
+          </p:nvPr>
+        </p:nvSpPr>
+        <p:spPr/>
+        <p:txBody>
+          <a:bodyPr/>
+          <a:lstStyle/>
+          <a:p>
+            <a:fld id="{D57F1E4F-1CFF-5643-939E-02111984F565}" type="slidenum">
+              <a:rPr lang="en-US" smtClean="0"/>
+              <a:t>15</a:t>
+            </a:fld>
+            <a:endParaRPr lang="en-US" dirty="0"/>
+          </a:p>
+        </p:txBody>
+      </p:sp>
+    </p:spTree>
+    <p:extLst>
+      <p:ext uri="{BB962C8B-B14F-4D97-AF65-F5344CB8AC3E}">
+        <p14:creationId xmlns:p14="http://schemas.microsoft.com/office/powerpoint/2010/main" val="805053780"/>
       </p:ext>
     </p:extLst>
   </p:cSld>
@@ -6314,9 +7393,16 @@
             <p:ph idx="1"/>
           </p:nvPr>
         </p:nvSpPr>
-        <p:spPr/>
-        <p:txBody>
-          <a:bodyPr/>
+        <p:spPr>
+          <a:xfrm>
+            <a:off x="1013665" y="1515035"/>
+            <a:ext cx="8946541" cy="4195481"/>
+          </a:xfrm>
+        </p:spPr>
+        <p:txBody>
+          <a:bodyPr>
+            <a:normAutofit fontScale="85000" lnSpcReduction="20000"/>
+          </a:bodyPr>
           <a:lstStyle/>
           <a:p>
             <a:r>
@@ -6339,7 +7425,47 @@
           <a:p>
             <a:r>
               <a:rPr lang="fr-FR" dirty="0"/>
-              <a:t>Les Capteurs</a:t>
+              <a:t>Diagramme</a:t>
+            </a:r>
+          </a:p>
+          <a:p>
+            <a:pPr lvl="1">
+              <a:buFont typeface="Wingdings" panose="05000000000000000000" pitchFamily="2" charset="2"/>
+              <a:buChar char="Ø"/>
+            </a:pPr>
+            <a:r>
+              <a:rPr lang="fr-FR" dirty="0"/>
+              <a:t>Diagramme d’exigence</a:t>
+            </a:r>
+          </a:p>
+          <a:p>
+            <a:pPr lvl="1">
+              <a:buFont typeface="Wingdings" panose="05000000000000000000" pitchFamily="2" charset="2"/>
+              <a:buChar char="Ø"/>
+            </a:pPr>
+            <a:r>
+              <a:rPr lang="fr-FR" dirty="0"/>
+              <a:t>Diagramme de cas d’utilisation </a:t>
+            </a:r>
+          </a:p>
+          <a:p>
+            <a:pPr lvl="1">
+              <a:buFont typeface="Wingdings" panose="05000000000000000000" pitchFamily="2" charset="2"/>
+              <a:buChar char="Ø"/>
+            </a:pPr>
+            <a:r>
+              <a:rPr lang="fr-FR" dirty="0"/>
+              <a:t>Diagramme de classe</a:t>
+            </a:r>
+          </a:p>
+          <a:p>
+            <a:pPr lvl="1">
+              <a:buFont typeface="Wingdings" panose="05000000000000000000" pitchFamily="2" charset="2"/>
+              <a:buChar char="Ø"/>
+            </a:pPr>
+            <a:r>
+              <a:rPr lang="fr-FR" dirty="0"/>
+              <a:t>Diagramme de séquence</a:t>
             </a:r>
           </a:p>
           <a:p>
@@ -6349,10 +7475,99 @@
             </a:r>
           </a:p>
           <a:p>
+            <a:pPr lvl="1">
+              <a:buFont typeface="Wingdings" panose="05000000000000000000" pitchFamily="2" charset="2"/>
+              <a:buChar char="Ø"/>
+            </a:pPr>
+            <a:r>
+              <a:rPr lang="fr-FR" dirty="0"/>
+              <a:t>Choix des capteurs</a:t>
+            </a:r>
+          </a:p>
+          <a:p>
+            <a:pPr lvl="1">
+              <a:buFont typeface="Wingdings" panose="05000000000000000000" pitchFamily="2" charset="2"/>
+              <a:buChar char="Ø"/>
+            </a:pPr>
+            <a:r>
+              <a:rPr lang="fr-FR" dirty="0"/>
+              <a:t>Codage des Capteur</a:t>
+            </a:r>
+          </a:p>
+          <a:p>
+            <a:pPr lvl="1">
+              <a:buFont typeface="Wingdings" panose="05000000000000000000" pitchFamily="2" charset="2"/>
+              <a:buChar char="Ø"/>
+            </a:pPr>
+            <a:r>
+              <a:rPr lang="fr-FR" dirty="0"/>
+              <a:t>Symfony</a:t>
+            </a:r>
+          </a:p>
+          <a:p>
             <a:r>
               <a:rPr lang="fr-FR" dirty="0"/>
               <a:t>Conclusion</a:t>
             </a:r>
+          </a:p>
+        </p:txBody>
+      </p:sp>
+      <p:pic>
+        <p:nvPicPr>
+          <p:cNvPr id="5" name="Image 4">
+            <a:extLst>
+              <a:ext uri="{FF2B5EF4-FFF2-40B4-BE49-F238E27FC236}">
+                <a16:creationId xmlns:a16="http://schemas.microsoft.com/office/drawing/2014/main" id="{CD91848F-8BA9-45CC-BC50-78E5C8AE872F}"/>
+              </a:ext>
+            </a:extLst>
+          </p:cNvPr>
+          <p:cNvPicPr>
+            <a:picLocks noChangeAspect="1"/>
+          </p:cNvPicPr>
+          <p:nvPr/>
+        </p:nvPicPr>
+        <p:blipFill>
+          <a:blip r:embed="rId2"/>
+          <a:stretch>
+            <a:fillRect/>
+          </a:stretch>
+        </p:blipFill>
+        <p:spPr>
+          <a:xfrm>
+            <a:off x="5827594" y="1515035"/>
+            <a:ext cx="6185967" cy="4407044"/>
+          </a:xfrm>
+          <a:prstGeom prst="rect">
+            <a:avLst/>
+          </a:prstGeom>
+        </p:spPr>
+      </p:pic>
+      <p:sp>
+        <p:nvSpPr>
+          <p:cNvPr id="6" name="Espace réservé du numéro de diapositive 5">
+            <a:extLst>
+              <a:ext uri="{FF2B5EF4-FFF2-40B4-BE49-F238E27FC236}">
+                <a16:creationId xmlns:a16="http://schemas.microsoft.com/office/drawing/2014/main" id="{DADAF5F3-65E5-47D6-B599-470829D704C9}"/>
+              </a:ext>
+            </a:extLst>
+          </p:cNvPr>
+          <p:cNvSpPr>
+            <a:spLocks noGrp="1"/>
+          </p:cNvSpPr>
+          <p:nvPr>
+            <p:ph type="sldNum" sz="quarter" idx="12"/>
+          </p:nvPr>
+        </p:nvSpPr>
+        <p:spPr/>
+        <p:txBody>
+          <a:bodyPr/>
+          <a:lstStyle/>
+          <a:p>
+            <a:fld id="{D57F1E4F-1CFF-5643-939E-02111984F565}" type="slidenum">
+              <a:rPr lang="en-US" smtClean="0"/>
+              <a:t>2</a:t>
+            </a:fld>
+            <a:endParaRPr lang="en-US" dirty="0"/>
           </a:p>
         </p:txBody>
       </p:sp>
@@ -6445,6 +7660,35 @@
           </a:p>
         </p:txBody>
       </p:sp>
+      <p:sp>
+        <p:nvSpPr>
+          <p:cNvPr id="4" name="Espace réservé du numéro de diapositive 3">
+            <a:extLst>
+              <a:ext uri="{FF2B5EF4-FFF2-40B4-BE49-F238E27FC236}">
+                <a16:creationId xmlns:a16="http://schemas.microsoft.com/office/drawing/2014/main" id="{AA8AF216-8F01-489F-BD2B-F5935BA831D0}"/>
+              </a:ext>
+            </a:extLst>
+          </p:cNvPr>
+          <p:cNvSpPr>
+            <a:spLocks noGrp="1"/>
+          </p:cNvSpPr>
+          <p:nvPr>
+            <p:ph type="sldNum" sz="quarter" idx="12"/>
+          </p:nvPr>
+        </p:nvSpPr>
+        <p:spPr/>
+        <p:txBody>
+          <a:bodyPr/>
+          <a:lstStyle/>
+          <a:p>
+            <a:fld id="{D57F1E4F-1CFF-5643-939E-02111984F565}" type="slidenum">
+              <a:rPr lang="en-US" smtClean="0"/>
+              <a:t>3</a:t>
+            </a:fld>
+            <a:endParaRPr lang="en-US" dirty="0"/>
+          </a:p>
+        </p:txBody>
+      </p:sp>
     </p:spTree>
     <p:extLst>
       <p:ext uri="{BB962C8B-B14F-4D97-AF65-F5344CB8AC3E}">
@@ -6496,7 +7740,14 @@
           <a:bodyPr/>
           <a:lstStyle/>
           <a:p>
-            <a:endParaRPr lang="fr-FR"/>
+            <a:r>
+              <a:rPr lang="fr-FR" dirty="0"/>
+              <a:t>Partie General</a:t>
+            </a:r>
+            <a:br>
+              <a:rPr lang="fr-FR" dirty="0"/>
+            </a:br>
+            <a:endParaRPr lang="fr-FR" dirty="0"/>
           </a:p>
         </p:txBody>
       </p:sp>
@@ -6525,6 +7776,35 @@
               <a:rPr lang="fr-FR"/>
               <a:t>Groupe olivier</a:t>
             </a:r>
+          </a:p>
+        </p:txBody>
+      </p:sp>
+      <p:sp>
+        <p:nvSpPr>
+          <p:cNvPr id="4" name="Espace réservé du numéro de diapositive 3">
+            <a:extLst>
+              <a:ext uri="{FF2B5EF4-FFF2-40B4-BE49-F238E27FC236}">
+                <a16:creationId xmlns:a16="http://schemas.microsoft.com/office/drawing/2014/main" id="{223072A4-E5BB-4D0E-84E8-6D20A26D6901}"/>
+              </a:ext>
+            </a:extLst>
+          </p:cNvPr>
+          <p:cNvSpPr>
+            <a:spLocks noGrp="1"/>
+          </p:cNvSpPr>
+          <p:nvPr>
+            <p:ph type="sldNum" sz="quarter" idx="12"/>
+          </p:nvPr>
+        </p:nvSpPr>
+        <p:spPr/>
+        <p:txBody>
+          <a:bodyPr/>
+          <a:lstStyle/>
+          <a:p>
+            <a:fld id="{D57F1E4F-1CFF-5643-939E-02111984F565}" type="slidenum">
+              <a:rPr lang="en-US" smtClean="0"/>
+              <a:t>4</a:t>
+            </a:fld>
+            <a:endParaRPr lang="en-US" dirty="0"/>
           </a:p>
         </p:txBody>
       </p:sp>
@@ -6579,7 +7859,14 @@
           <a:bodyPr/>
           <a:lstStyle/>
           <a:p>
-            <a:endParaRPr lang="fr-FR"/>
+            <a:r>
+              <a:rPr lang="fr-FR" dirty="0"/>
+              <a:t>Partie Personnel</a:t>
+            </a:r>
+            <a:br>
+              <a:rPr lang="fr-FR" dirty="0"/>
+            </a:br>
+            <a:endParaRPr lang="fr-FR" dirty="0"/>
           </a:p>
         </p:txBody>
       </p:sp>
@@ -6608,10 +7895,499 @@
           </a:p>
         </p:txBody>
       </p:sp>
+      <p:sp>
+        <p:nvSpPr>
+          <p:cNvPr id="4" name="Espace réservé du numéro de diapositive 3">
+            <a:extLst>
+              <a:ext uri="{FF2B5EF4-FFF2-40B4-BE49-F238E27FC236}">
+                <a16:creationId xmlns:a16="http://schemas.microsoft.com/office/drawing/2014/main" id="{971CB92B-56DF-4421-B6DF-1D4C6106E186}"/>
+              </a:ext>
+            </a:extLst>
+          </p:cNvPr>
+          <p:cNvSpPr>
+            <a:spLocks noGrp="1"/>
+          </p:cNvSpPr>
+          <p:nvPr>
+            <p:ph type="sldNum" sz="quarter" idx="12"/>
+          </p:nvPr>
+        </p:nvSpPr>
+        <p:spPr/>
+        <p:txBody>
+          <a:bodyPr/>
+          <a:lstStyle/>
+          <a:p>
+            <a:fld id="{D57F1E4F-1CFF-5643-939E-02111984F565}" type="slidenum">
+              <a:rPr lang="en-US" smtClean="0"/>
+              <a:t>5</a:t>
+            </a:fld>
+            <a:endParaRPr lang="en-US" dirty="0"/>
+          </a:p>
+        </p:txBody>
+      </p:sp>
     </p:spTree>
     <p:extLst>
       <p:ext uri="{BB962C8B-B14F-4D97-AF65-F5344CB8AC3E}">
         <p14:creationId xmlns:p14="http://schemas.microsoft.com/office/powerpoint/2010/main" val="3032920900"/>
+      </p:ext>
+    </p:extLst>
+  </p:cSld>
+  <p:clrMapOvr>
+    <a:masterClrMapping/>
+  </p:clrMapOvr>
+</p:sld>
+</file>
+
+<file path=ppt/slides/slide6.xml><?xml version="1.0" encoding="utf-8"?>
+<p:sld xmlns:a="http://schemas.openxmlformats.org/drawingml/2006/main" xmlns:r="http://schemas.openxmlformats.org/officeDocument/2006/relationships" xmlns:p="http://schemas.openxmlformats.org/presentationml/2006/main">
+  <p:cSld>
+    <p:spTree>
+      <p:nvGrpSpPr>
+        <p:cNvPr id="1" name=""/>
+        <p:cNvGrpSpPr/>
+        <p:nvPr/>
+      </p:nvGrpSpPr>
+      <p:grpSpPr>
+        <a:xfrm>
+          <a:off x="0" y="0"/>
+          <a:ext cx="0" cy="0"/>
+          <a:chOff x="0" y="0"/>
+          <a:chExt cx="0" cy="0"/>
+        </a:xfrm>
+      </p:grpSpPr>
+      <p:sp>
+        <p:nvSpPr>
+          <p:cNvPr id="2" name="Titre 1">
+            <a:extLst>
+              <a:ext uri="{FF2B5EF4-FFF2-40B4-BE49-F238E27FC236}">
+                <a16:creationId xmlns:a16="http://schemas.microsoft.com/office/drawing/2014/main" id="{1BA7495B-5204-4CAA-BA0C-2DE6736146B9}"/>
+              </a:ext>
+            </a:extLst>
+          </p:cNvPr>
+          <p:cNvSpPr>
+            <a:spLocks noGrp="1"/>
+          </p:cNvSpPr>
+          <p:nvPr>
+            <p:ph type="title"/>
+          </p:nvPr>
+        </p:nvSpPr>
+        <p:spPr/>
+        <p:txBody>
+          <a:bodyPr/>
+          <a:lstStyle/>
+          <a:p>
+            <a:r>
+              <a:rPr lang="fr-FR" dirty="0"/>
+              <a:t>Diagramme</a:t>
+            </a:r>
+          </a:p>
+        </p:txBody>
+      </p:sp>
+      <p:sp>
+        <p:nvSpPr>
+          <p:cNvPr id="3" name="Espace réservé du contenu 2">
+            <a:extLst>
+              <a:ext uri="{FF2B5EF4-FFF2-40B4-BE49-F238E27FC236}">
+                <a16:creationId xmlns:a16="http://schemas.microsoft.com/office/drawing/2014/main" id="{670EE62A-6086-4AE4-9EDC-5B273C575CDA}"/>
+              </a:ext>
+            </a:extLst>
+          </p:cNvPr>
+          <p:cNvSpPr>
+            <a:spLocks noGrp="1"/>
+          </p:cNvSpPr>
+          <p:nvPr>
+            <p:ph idx="1"/>
+          </p:nvPr>
+        </p:nvSpPr>
+        <p:spPr/>
+        <p:txBody>
+          <a:bodyPr/>
+          <a:lstStyle/>
+          <a:p>
+            <a:endParaRPr lang="fr-FR"/>
+          </a:p>
+        </p:txBody>
+      </p:sp>
+      <p:sp>
+        <p:nvSpPr>
+          <p:cNvPr id="4" name="Espace réservé du numéro de diapositive 3">
+            <a:extLst>
+              <a:ext uri="{FF2B5EF4-FFF2-40B4-BE49-F238E27FC236}">
+                <a16:creationId xmlns:a16="http://schemas.microsoft.com/office/drawing/2014/main" id="{F10B262E-E09D-47F0-A0DE-478B0D7B3E53}"/>
+              </a:ext>
+            </a:extLst>
+          </p:cNvPr>
+          <p:cNvSpPr>
+            <a:spLocks noGrp="1"/>
+          </p:cNvSpPr>
+          <p:nvPr>
+            <p:ph type="sldNum" sz="quarter" idx="12"/>
+          </p:nvPr>
+        </p:nvSpPr>
+        <p:spPr/>
+        <p:txBody>
+          <a:bodyPr/>
+          <a:lstStyle/>
+          <a:p>
+            <a:fld id="{D57F1E4F-1CFF-5643-939E-02111984F565}" type="slidenum">
+              <a:rPr lang="en-US" smtClean="0"/>
+              <a:t>6</a:t>
+            </a:fld>
+            <a:endParaRPr lang="en-US" dirty="0"/>
+          </a:p>
+        </p:txBody>
+      </p:sp>
+    </p:spTree>
+    <p:extLst>
+      <p:ext uri="{BB962C8B-B14F-4D97-AF65-F5344CB8AC3E}">
+        <p14:creationId xmlns:p14="http://schemas.microsoft.com/office/powerpoint/2010/main" val="2805000224"/>
+      </p:ext>
+    </p:extLst>
+  </p:cSld>
+  <p:clrMapOvr>
+    <a:masterClrMapping/>
+  </p:clrMapOvr>
+</p:sld>
+</file>
+
+<file path=ppt/slides/slide7.xml><?xml version="1.0" encoding="utf-8"?>
+<p:sld xmlns:a="http://schemas.openxmlformats.org/drawingml/2006/main" xmlns:r="http://schemas.openxmlformats.org/officeDocument/2006/relationships" xmlns:p="http://schemas.openxmlformats.org/presentationml/2006/main">
+  <p:cSld>
+    <p:spTree>
+      <p:nvGrpSpPr>
+        <p:cNvPr id="1" name=""/>
+        <p:cNvGrpSpPr/>
+        <p:nvPr/>
+      </p:nvGrpSpPr>
+      <p:grpSpPr>
+        <a:xfrm>
+          <a:off x="0" y="0"/>
+          <a:ext cx="0" cy="0"/>
+          <a:chOff x="0" y="0"/>
+          <a:chExt cx="0" cy="0"/>
+        </a:xfrm>
+      </p:grpSpPr>
+      <p:sp>
+        <p:nvSpPr>
+          <p:cNvPr id="2" name="Titre 1">
+            <a:extLst>
+              <a:ext uri="{FF2B5EF4-FFF2-40B4-BE49-F238E27FC236}">
+                <a16:creationId xmlns:a16="http://schemas.microsoft.com/office/drawing/2014/main" id="{54D9002D-B2C0-43CA-BC05-AFC98153B986}"/>
+              </a:ext>
+            </a:extLst>
+          </p:cNvPr>
+          <p:cNvSpPr>
+            <a:spLocks noGrp="1"/>
+          </p:cNvSpPr>
+          <p:nvPr>
+            <p:ph type="title"/>
+          </p:nvPr>
+        </p:nvSpPr>
+        <p:spPr/>
+        <p:txBody>
+          <a:bodyPr/>
+          <a:lstStyle/>
+          <a:p>
+            <a:r>
+              <a:rPr lang="fr-FR" dirty="0"/>
+              <a:t>Diagramme D’exigence</a:t>
+            </a:r>
+          </a:p>
+        </p:txBody>
+      </p:sp>
+      <p:sp>
+        <p:nvSpPr>
+          <p:cNvPr id="3" name="Espace réservé du contenu 2">
+            <a:extLst>
+              <a:ext uri="{FF2B5EF4-FFF2-40B4-BE49-F238E27FC236}">
+                <a16:creationId xmlns:a16="http://schemas.microsoft.com/office/drawing/2014/main" id="{F5DD4C03-3D8E-433C-A22F-60A3AC7841AE}"/>
+              </a:ext>
+            </a:extLst>
+          </p:cNvPr>
+          <p:cNvSpPr>
+            <a:spLocks noGrp="1"/>
+          </p:cNvSpPr>
+          <p:nvPr>
+            <p:ph idx="1"/>
+          </p:nvPr>
+        </p:nvSpPr>
+        <p:spPr/>
+        <p:txBody>
+          <a:bodyPr/>
+          <a:lstStyle/>
+          <a:p>
+            <a:endParaRPr lang="fr-FR"/>
+          </a:p>
+        </p:txBody>
+      </p:sp>
+      <p:sp>
+        <p:nvSpPr>
+          <p:cNvPr id="4" name="Espace réservé du numéro de diapositive 3">
+            <a:extLst>
+              <a:ext uri="{FF2B5EF4-FFF2-40B4-BE49-F238E27FC236}">
+                <a16:creationId xmlns:a16="http://schemas.microsoft.com/office/drawing/2014/main" id="{45130DEF-52CD-455F-AC4C-FCA27071316C}"/>
+              </a:ext>
+            </a:extLst>
+          </p:cNvPr>
+          <p:cNvSpPr>
+            <a:spLocks noGrp="1"/>
+          </p:cNvSpPr>
+          <p:nvPr>
+            <p:ph type="sldNum" sz="quarter" idx="12"/>
+          </p:nvPr>
+        </p:nvSpPr>
+        <p:spPr/>
+        <p:txBody>
+          <a:bodyPr/>
+          <a:lstStyle/>
+          <a:p>
+            <a:fld id="{D57F1E4F-1CFF-5643-939E-02111984F565}" type="slidenum">
+              <a:rPr lang="en-US" smtClean="0"/>
+              <a:t>7</a:t>
+            </a:fld>
+            <a:endParaRPr lang="en-US" dirty="0"/>
+          </a:p>
+        </p:txBody>
+      </p:sp>
+    </p:spTree>
+    <p:extLst>
+      <p:ext uri="{BB962C8B-B14F-4D97-AF65-F5344CB8AC3E}">
+        <p14:creationId xmlns:p14="http://schemas.microsoft.com/office/powerpoint/2010/main" val="3825841833"/>
+      </p:ext>
+    </p:extLst>
+  </p:cSld>
+  <p:clrMapOvr>
+    <a:masterClrMapping/>
+  </p:clrMapOvr>
+</p:sld>
+</file>
+
+<file path=ppt/slides/slide8.xml><?xml version="1.0" encoding="utf-8"?>
+<p:sld xmlns:a="http://schemas.openxmlformats.org/drawingml/2006/main" xmlns:r="http://schemas.openxmlformats.org/officeDocument/2006/relationships" xmlns:p="http://schemas.openxmlformats.org/presentationml/2006/main">
+  <p:cSld>
+    <p:spTree>
+      <p:nvGrpSpPr>
+        <p:cNvPr id="1" name=""/>
+        <p:cNvGrpSpPr/>
+        <p:nvPr/>
+      </p:nvGrpSpPr>
+      <p:grpSpPr>
+        <a:xfrm>
+          <a:off x="0" y="0"/>
+          <a:ext cx="0" cy="0"/>
+          <a:chOff x="0" y="0"/>
+          <a:chExt cx="0" cy="0"/>
+        </a:xfrm>
+      </p:grpSpPr>
+      <p:sp>
+        <p:nvSpPr>
+          <p:cNvPr id="2" name="Titre 1">
+            <a:extLst>
+              <a:ext uri="{FF2B5EF4-FFF2-40B4-BE49-F238E27FC236}">
+                <a16:creationId xmlns:a16="http://schemas.microsoft.com/office/drawing/2014/main" id="{C33A4ED2-0288-433B-A5E9-594ED0B99E60}"/>
+              </a:ext>
+            </a:extLst>
+          </p:cNvPr>
+          <p:cNvSpPr>
+            <a:spLocks noGrp="1"/>
+          </p:cNvSpPr>
+          <p:nvPr>
+            <p:ph type="title"/>
+          </p:nvPr>
+        </p:nvSpPr>
+        <p:spPr/>
+        <p:txBody>
+          <a:bodyPr/>
+          <a:lstStyle/>
+          <a:p>
+            <a:r>
+              <a:rPr lang="fr-FR" dirty="0"/>
+              <a:t>Diagramme de cas d’utilisation </a:t>
+            </a:r>
+            <a:br>
+              <a:rPr lang="fr-FR" dirty="0"/>
+            </a:br>
+            <a:endParaRPr lang="fr-FR" dirty="0"/>
+          </a:p>
+        </p:txBody>
+      </p:sp>
+      <p:pic>
+        <p:nvPicPr>
+          <p:cNvPr id="6" name="Espace réservé du contenu 5">
+            <a:extLst>
+              <a:ext uri="{FF2B5EF4-FFF2-40B4-BE49-F238E27FC236}">
+                <a16:creationId xmlns:a16="http://schemas.microsoft.com/office/drawing/2014/main" id="{C77A2248-3608-47D6-8C1B-D70E58C60C7F}"/>
+              </a:ext>
+            </a:extLst>
+          </p:cNvPr>
+          <p:cNvPicPr>
+            <a:picLocks noGrp="1" noChangeAspect="1"/>
+          </p:cNvPicPr>
+          <p:nvPr>
+            <p:ph idx="1"/>
+          </p:nvPr>
+        </p:nvPicPr>
+        <p:blipFill>
+          <a:blip r:embed="rId2"/>
+          <a:stretch>
+            <a:fillRect/>
+          </a:stretch>
+        </p:blipFill>
+        <p:spPr>
+          <a:xfrm>
+            <a:off x="775202" y="1380930"/>
+            <a:ext cx="8561592" cy="5245887"/>
+          </a:xfrm>
+        </p:spPr>
+      </p:pic>
+      <p:sp>
+        <p:nvSpPr>
+          <p:cNvPr id="4" name="Espace réservé du numéro de diapositive 3">
+            <a:extLst>
+              <a:ext uri="{FF2B5EF4-FFF2-40B4-BE49-F238E27FC236}">
+                <a16:creationId xmlns:a16="http://schemas.microsoft.com/office/drawing/2014/main" id="{ADF78C88-9803-4E61-854F-F797E9085604}"/>
+              </a:ext>
+            </a:extLst>
+          </p:cNvPr>
+          <p:cNvSpPr>
+            <a:spLocks noGrp="1"/>
+          </p:cNvSpPr>
+          <p:nvPr>
+            <p:ph type="sldNum" sz="quarter" idx="12"/>
+          </p:nvPr>
+        </p:nvSpPr>
+        <p:spPr/>
+        <p:txBody>
+          <a:bodyPr/>
+          <a:lstStyle/>
+          <a:p>
+            <a:fld id="{D57F1E4F-1CFF-5643-939E-02111984F565}" type="slidenum">
+              <a:rPr lang="en-US" smtClean="0"/>
+              <a:t>8</a:t>
+            </a:fld>
+            <a:endParaRPr lang="en-US" dirty="0"/>
+          </a:p>
+        </p:txBody>
+      </p:sp>
+    </p:spTree>
+    <p:extLst>
+      <p:ext uri="{BB962C8B-B14F-4D97-AF65-F5344CB8AC3E}">
+        <p14:creationId xmlns:p14="http://schemas.microsoft.com/office/powerpoint/2010/main" val="3717986361"/>
+      </p:ext>
+    </p:extLst>
+  </p:cSld>
+  <p:clrMapOvr>
+    <a:masterClrMapping/>
+  </p:clrMapOvr>
+</p:sld>
+</file>
+
+<file path=ppt/slides/slide9.xml><?xml version="1.0" encoding="utf-8"?>
+<p:sld xmlns:a="http://schemas.openxmlformats.org/drawingml/2006/main" xmlns:r="http://schemas.openxmlformats.org/officeDocument/2006/relationships" xmlns:p="http://schemas.openxmlformats.org/presentationml/2006/main">
+  <p:cSld>
+    <p:spTree>
+      <p:nvGrpSpPr>
+        <p:cNvPr id="1" name=""/>
+        <p:cNvGrpSpPr/>
+        <p:nvPr/>
+      </p:nvGrpSpPr>
+      <p:grpSpPr>
+        <a:xfrm>
+          <a:off x="0" y="0"/>
+          <a:ext cx="0" cy="0"/>
+          <a:chOff x="0" y="0"/>
+          <a:chExt cx="0" cy="0"/>
+        </a:xfrm>
+      </p:grpSpPr>
+      <p:sp>
+        <p:nvSpPr>
+          <p:cNvPr id="2" name="Titre 1">
+            <a:extLst>
+              <a:ext uri="{FF2B5EF4-FFF2-40B4-BE49-F238E27FC236}">
+                <a16:creationId xmlns:a16="http://schemas.microsoft.com/office/drawing/2014/main" id="{9DE313F7-E990-4F06-941B-54F22BE52E2D}"/>
+              </a:ext>
+            </a:extLst>
+          </p:cNvPr>
+          <p:cNvSpPr>
+            <a:spLocks noGrp="1"/>
+          </p:cNvSpPr>
+          <p:nvPr>
+            <p:ph type="title"/>
+          </p:nvPr>
+        </p:nvSpPr>
+        <p:spPr/>
+        <p:txBody>
+          <a:bodyPr/>
+          <a:lstStyle/>
+          <a:p>
+            <a:r>
+              <a:rPr lang="fr-FR" dirty="0"/>
+              <a:t>Diagramme de classe</a:t>
+            </a:r>
+            <a:br>
+              <a:rPr lang="fr-FR" dirty="0"/>
+            </a:br>
+            <a:endParaRPr lang="fr-FR" dirty="0"/>
+          </a:p>
+        </p:txBody>
+      </p:sp>
+      <p:sp>
+        <p:nvSpPr>
+          <p:cNvPr id="3" name="Espace réservé du contenu 2">
+            <a:extLst>
+              <a:ext uri="{FF2B5EF4-FFF2-40B4-BE49-F238E27FC236}">
+                <a16:creationId xmlns:a16="http://schemas.microsoft.com/office/drawing/2014/main" id="{7A6C47DC-8048-44A2-8FA5-70EBFB586694}"/>
+              </a:ext>
+            </a:extLst>
+          </p:cNvPr>
+          <p:cNvSpPr>
+            <a:spLocks noGrp="1"/>
+          </p:cNvSpPr>
+          <p:nvPr>
+            <p:ph idx="1"/>
+          </p:nvPr>
+        </p:nvSpPr>
+        <p:spPr/>
+        <p:txBody>
+          <a:bodyPr/>
+          <a:lstStyle/>
+          <a:p>
+            <a:endParaRPr lang="fr-FR"/>
+          </a:p>
+        </p:txBody>
+      </p:sp>
+      <p:sp>
+        <p:nvSpPr>
+          <p:cNvPr id="4" name="Espace réservé du numéro de diapositive 3">
+            <a:extLst>
+              <a:ext uri="{FF2B5EF4-FFF2-40B4-BE49-F238E27FC236}">
+                <a16:creationId xmlns:a16="http://schemas.microsoft.com/office/drawing/2014/main" id="{FBC1B41E-A42F-4F19-909F-531D20DD0BDB}"/>
+              </a:ext>
+            </a:extLst>
+          </p:cNvPr>
+          <p:cNvSpPr>
+            <a:spLocks noGrp="1"/>
+          </p:cNvSpPr>
+          <p:nvPr>
+            <p:ph type="sldNum" sz="quarter" idx="12"/>
+          </p:nvPr>
+        </p:nvSpPr>
+        <p:spPr/>
+        <p:txBody>
+          <a:bodyPr/>
+          <a:lstStyle/>
+          <a:p>
+            <a:fld id="{D57F1E4F-1CFF-5643-939E-02111984F565}" type="slidenum">
+              <a:rPr lang="en-US" smtClean="0"/>
+              <a:t>9</a:t>
+            </a:fld>
+            <a:endParaRPr lang="en-US" dirty="0"/>
+          </a:p>
+        </p:txBody>
+      </p:sp>
+    </p:spTree>
+    <p:extLst>
+      <p:ext uri="{BB962C8B-B14F-4D97-AF65-F5344CB8AC3E}">
+        <p14:creationId xmlns:p14="http://schemas.microsoft.com/office/powerpoint/2010/main" val="39735340"/>
       </p:ext>
     </p:extLst>
   </p:cSld>
@@ -6885,4 +8661,299 @@
     </a:ext>
   </a:extLst>
 </a:theme>
+</file>
+
+<file path=ppt/theme/theme2.xml><?xml version="1.0" encoding="utf-8"?>
+<a:theme xmlns:a="http://schemas.openxmlformats.org/drawingml/2006/main" name="Thème Office">
+  <a:themeElements>
+    <a:clrScheme name="Office">
+      <a:dk1>
+        <a:sysClr val="windowText" lastClr="000000"/>
+      </a:dk1>
+      <a:lt1>
+        <a:sysClr val="window" lastClr="FFFFFF"/>
+      </a:lt1>
+      <a:dk2>
+        <a:srgbClr val="44546A"/>
+      </a:dk2>
+      <a:lt2>
+        <a:srgbClr val="E7E6E6"/>
+      </a:lt2>
+      <a:accent1>
+        <a:srgbClr val="4472C4"/>
+      </a:accent1>
+      <a:accent2>
+        <a:srgbClr val="ED7D31"/>
+      </a:accent2>
+      <a:accent3>
+        <a:srgbClr val="A5A5A5"/>
+      </a:accent3>
+      <a:accent4>
+        <a:srgbClr val="FFC000"/>
+      </a:accent4>
+      <a:accent5>
+        <a:srgbClr val="5B9BD5"/>
+      </a:accent5>
+      <a:accent6>
+        <a:srgbClr val="70AD47"/>
+      </a:accent6>
+      <a:hlink>
+        <a:srgbClr val="0563C1"/>
+      </a:hlink>
+      <a:folHlink>
+        <a:srgbClr val="954F72"/>
+      </a:folHlink>
+    </a:clrScheme>
+    <a:fontScheme name="Office">
+      <a:majorFont>
+        <a:latin typeface="Calibri Light" panose="020F0302020204030204"/>
+        <a:ea typeface=""/>
+        <a:cs typeface=""/>
+        <a:font script="Jpan" typeface="游ゴシック Light"/>
+        <a:font script="Hang" typeface="맑은 고딕"/>
+        <a:font script="Hans" typeface="等线 Light"/>
+        <a:font script="Hant" typeface="新細明體"/>
+        <a:font script="Arab" typeface="Times New Roman"/>
+        <a:font script="Hebr" typeface="Times New Roman"/>
+        <a:font script="Thai" typeface="Angsana New"/>
+        <a:font script="Ethi" typeface="Nyala"/>
+        <a:font script="Beng" typeface="Vrinda"/>
+        <a:font script="Gujr" typeface="Shruti"/>
+        <a:font script="Khmr" typeface="MoolBoran"/>
+        <a:font script="Knda" typeface="Tunga"/>
+        <a:font script="Guru" typeface="Raavi"/>
+        <a:font script="Cans" typeface="Euphemia"/>
+        <a:font script="Cher" typeface="Plantagenet Cherokee"/>
+        <a:font script="Yiii" typeface="Microsoft Yi Baiti"/>
+        <a:font script="Tibt" typeface="Microsoft Himalaya"/>
+        <a:font script="Thaa" typeface="MV Boli"/>
+        <a:font script="Deva" typeface="Mangal"/>
+        <a:font script="Telu" typeface="Gautami"/>
+        <a:font script="Taml" typeface="Latha"/>
+        <a:font script="Syrc" typeface="Estrangelo Edessa"/>
+        <a:font script="Orya" typeface="Kalinga"/>
+        <a:font script="Mlym" typeface="Kartika"/>
+        <a:font script="Laoo" typeface="DokChampa"/>
+        <a:font script="Sinh" typeface="Iskoola Pota"/>
+        <a:font script="Mong" typeface="Mongolian Baiti"/>
+        <a:font script="Viet" typeface="Times New Roman"/>
+        <a:font script="Uigh" typeface="Microsoft Uighur"/>
+        <a:font script="Geor" typeface="Sylfaen"/>
+        <a:font script="Armn" typeface="Arial"/>
+        <a:font script="Bugi" typeface="Leelawadee UI"/>
+        <a:font script="Bopo" typeface="Microsoft JhengHei"/>
+        <a:font script="Java" typeface="Javanese Text"/>
+        <a:font script="Lisu" typeface="Segoe UI"/>
+        <a:font script="Mymr" typeface="Myanmar Text"/>
+        <a:font script="Nkoo" typeface="Ebrima"/>
+        <a:font script="Olck" typeface="Nirmala UI"/>
+        <a:font script="Osma" typeface="Ebrima"/>
+        <a:font script="Phag" typeface="Phagspa"/>
+        <a:font script="Syrn" typeface="Estrangelo Edessa"/>
+        <a:font script="Syrj" typeface="Estrangelo Edessa"/>
+        <a:font script="Syre" typeface="Estrangelo Edessa"/>
+        <a:font script="Sora" typeface="Nirmala UI"/>
+        <a:font script="Tale" typeface="Microsoft Tai Le"/>
+        <a:font script="Talu" typeface="Microsoft New Tai Lue"/>
+        <a:font script="Tfng" typeface="Ebrima"/>
+      </a:majorFont>
+      <a:minorFont>
+        <a:latin typeface="Calibri" panose="020F0502020204030204"/>
+        <a:ea typeface=""/>
+        <a:cs typeface=""/>
+        <a:font script="Jpan" typeface="游ゴシック"/>
+        <a:font script="Hang" typeface="맑은 고딕"/>
+        <a:font script="Hans" typeface="等线"/>
+        <a:font script="Hant" typeface="新細明體"/>
+        <a:font script="Arab" typeface="Arial"/>
+        <a:font script="Hebr" typeface="Arial"/>
+        <a:font script="Thai" typeface="Cordia New"/>
+        <a:font script="Ethi" typeface="Nyala"/>
+        <a:font script="Beng" typeface="Vrinda"/>
+        <a:font script="Gujr" typeface="Shruti"/>
+        <a:font script="Khmr" typeface="DaunPenh"/>
+        <a:font script="Knda" typeface="Tunga"/>
+        <a:font script="Guru" typeface="Raavi"/>
+        <a:font script="Cans" typeface="Euphemia"/>
+        <a:font script="Cher" typeface="Plantagenet Cherokee"/>
+        <a:font script="Yiii" typeface="Microsoft Yi Baiti"/>
+        <a:font script="Tibt" typeface="Microsoft Himalaya"/>
+        <a:font script="Thaa" typeface="MV Boli"/>
+        <a:font script="Deva" typeface="Mangal"/>
+        <a:font script="Telu" typeface="Gautami"/>
+        <a:font script="Taml" typeface="Latha"/>
+        <a:font script="Syrc" typeface="Estrangelo Edessa"/>
+        <a:font script="Orya" typeface="Kalinga"/>
+        <a:font script="Mlym" typeface="Kartika"/>
+        <a:font script="Laoo" typeface="DokChampa"/>
+        <a:font script="Sinh" typeface="Iskoola Pota"/>
+        <a:font script="Mong" typeface="Mongolian Baiti"/>
+        <a:font script="Viet" typeface="Arial"/>
+        <a:font script="Uigh" typeface="Microsoft Uighur"/>
+        <a:font script="Geor" typeface="Sylfaen"/>
+        <a:font script="Armn" typeface="Arial"/>
+        <a:font script="Bugi" typeface="Leelawadee UI"/>
+        <a:font script="Bopo" typeface="Microsoft JhengHei"/>
+        <a:font script="Java" typeface="Javanese Text"/>
+        <a:font script="Lisu" typeface="Segoe UI"/>
+        <a:font script="Mymr" typeface="Myanmar Text"/>
+        <a:font script="Nkoo" typeface="Ebrima"/>
+        <a:font script="Olck" typeface="Nirmala UI"/>
+        <a:font script="Osma" typeface="Ebrima"/>
+        <a:font script="Phag" typeface="Phagspa"/>
+        <a:font script="Syrn" typeface="Estrangelo Edessa"/>
+        <a:font script="Syrj" typeface="Estrangelo Edessa"/>
+        <a:font script="Syre" typeface="Estrangelo Edessa"/>
+        <a:font script="Sora" typeface="Nirmala UI"/>
+        <a:font script="Tale" typeface="Microsoft Tai Le"/>
+        <a:font script="Talu" typeface="Microsoft New Tai Lue"/>
+        <a:font script="Tfng" typeface="Ebrima"/>
+      </a:minorFont>
+    </a:fontScheme>
+    <a:fmtScheme name="Office">
+      <a:fillStyleLst>
+        <a:solidFill>
+          <a:schemeClr val="phClr"/>
+        </a:solidFill>
+        <a:gradFill rotWithShape="1">
+          <a:gsLst>
+            <a:gs pos="0">
+              <a:schemeClr val="phClr">
+                <a:lumMod val="110000"/>
+                <a:satMod val="105000"/>
+                <a:tint val="67000"/>
+              </a:schemeClr>
+            </a:gs>
+            <a:gs pos="50000">
+              <a:schemeClr val="phClr">
+                <a:lumMod val="105000"/>
+                <a:satMod val="103000"/>
+                <a:tint val="73000"/>
+              </a:schemeClr>
+            </a:gs>
+            <a:gs pos="100000">
+              <a:schemeClr val="phClr">
+                <a:lumMod val="105000"/>
+                <a:satMod val="109000"/>
+                <a:tint val="81000"/>
+              </a:schemeClr>
+            </a:gs>
+          </a:gsLst>
+          <a:lin ang="5400000" scaled="0"/>
+        </a:gradFill>
+        <a:gradFill rotWithShape="1">
+          <a:gsLst>
+            <a:gs pos="0">
+              <a:schemeClr val="phClr">
+                <a:satMod val="103000"/>
+                <a:lumMod val="102000"/>
+                <a:tint val="94000"/>
+              </a:schemeClr>
+            </a:gs>
+            <a:gs pos="50000">
+              <a:schemeClr val="phClr">
+                <a:satMod val="110000"/>
+                <a:lumMod val="100000"/>
+                <a:shade val="100000"/>
+              </a:schemeClr>
+            </a:gs>
+            <a:gs pos="100000">
+              <a:schemeClr val="phClr">
+                <a:lumMod val="99000"/>
+                <a:satMod val="120000"/>
+                <a:shade val="78000"/>
+              </a:schemeClr>
+            </a:gs>
+          </a:gsLst>
+          <a:lin ang="5400000" scaled="0"/>
+        </a:gradFill>
+      </a:fillStyleLst>
+      <a:lnStyleLst>
+        <a:ln w="6350" cap="flat" cmpd="sng" algn="ctr">
+          <a:solidFill>
+            <a:schemeClr val="phClr"/>
+          </a:solidFill>
+          <a:prstDash val="solid"/>
+          <a:miter lim="800000"/>
+        </a:ln>
+        <a:ln w="12700" cap="flat" cmpd="sng" algn="ctr">
+          <a:solidFill>
+            <a:schemeClr val="phClr"/>
+          </a:solidFill>
+          <a:prstDash val="solid"/>
+          <a:miter lim="800000"/>
+        </a:ln>
+        <a:ln w="19050" cap="flat" cmpd="sng" algn="ctr">
+          <a:solidFill>
+            <a:schemeClr val="phClr"/>
+          </a:solidFill>
+          <a:prstDash val="solid"/>
+          <a:miter lim="800000"/>
+        </a:ln>
+      </a:lnStyleLst>
+      <a:effectStyleLst>
+        <a:effectStyle>
+          <a:effectLst/>
+        </a:effectStyle>
+        <a:effectStyle>
+          <a:effectLst/>
+        </a:effectStyle>
+        <a:effectStyle>
+          <a:effectLst>
+            <a:outerShdw blurRad="57150" dist="19050" dir="5400000" algn="ctr" rotWithShape="0">
+              <a:srgbClr val="000000">
+                <a:alpha val="63000"/>
+              </a:srgbClr>
+            </a:outerShdw>
+          </a:effectLst>
+        </a:effectStyle>
+      </a:effectStyleLst>
+      <a:bgFillStyleLst>
+        <a:solidFill>
+          <a:schemeClr val="phClr"/>
+        </a:solidFill>
+        <a:solidFill>
+          <a:schemeClr val="phClr">
+            <a:tint val="95000"/>
+            <a:satMod val="170000"/>
+          </a:schemeClr>
+        </a:solidFill>
+        <a:gradFill rotWithShape="1">
+          <a:gsLst>
+            <a:gs pos="0">
+              <a:schemeClr val="phClr">
+                <a:tint val="93000"/>
+                <a:satMod val="150000"/>
+                <a:shade val="98000"/>
+                <a:lumMod val="102000"/>
+              </a:schemeClr>
+            </a:gs>
+            <a:gs pos="50000">
+              <a:schemeClr val="phClr">
+                <a:tint val="98000"/>
+                <a:satMod val="130000"/>
+                <a:shade val="90000"/>
+                <a:lumMod val="103000"/>
+              </a:schemeClr>
+            </a:gs>
+            <a:gs pos="100000">
+              <a:schemeClr val="phClr">
+                <a:shade val="63000"/>
+                <a:satMod val="120000"/>
+              </a:schemeClr>
+            </a:gs>
+          </a:gsLst>
+          <a:lin ang="5400000" scaled="0"/>
+        </a:gradFill>
+      </a:bgFillStyleLst>
+    </a:fmtScheme>
+  </a:themeElements>
+  <a:objectDefaults/>
+  <a:extraClrSchemeLst/>
+  <a:extLst>
+    <a:ext uri="{05A4C25C-085E-4340-85A3-A5531E510DB2}">
+      <thm15:themeFamily xmlns:thm15="http://schemas.microsoft.com/office/thememl/2012/main" name="Office Theme" id="{62F939B6-93AF-4DB8-9C6B-D6C7DFDC589F}" vid="{4A3C46E8-61CC-4603-A589-7422A47A8E4A}"/>
+    </a:ext>
+  </a:extLst>
+</a:theme>
 </file>